--- a/internal/slides/Python-Workshop.pptx
+++ b/internal/slides/Python-Workshop.pptx
@@ -114,6 +114,11 @@
       </a:defRPr>
     </a:lvl9pPr>
   </p:defaultTextStyle>
+  <p:extLst>
+    <p:ext uri="{EFAFB233-063F-42B5-8137-9DF3F51BA10A}">
+      <p15:sldGuideLst xmlns:p15="http://schemas.microsoft.com/office/powerpoint/2012/main"/>
+    </p:ext>
+  </p:extLst>
 </p:presentation>
 </file>
 
@@ -199,7 +204,7 @@
           <a:p>
             <a:fld id="{499A1EE7-0C14-4217-B24D-A63A9E8E2E1B}" type="datetimeFigureOut">
               <a:rPr lang="de-AT" smtClean="0"/>
-              <a:t>21.04.2023</a:t>
+              <a:t>24.04.2023</a:t>
             </a:fld>
             <a:endParaRPr lang="de-AT"/>
           </a:p>
@@ -1560,7 +1565,7 @@
           <a:p>
             <a:fld id="{6337795A-66C8-4B04-9297-31AE65D1A334}" type="datetimeFigureOut">
               <a:rPr lang="en-AU" smtClean="0"/>
-              <a:t>21/04/2023</a:t>
+              <a:t>24/04/2023</a:t>
             </a:fld>
             <a:endParaRPr lang="en-AU"/>
           </a:p>
@@ -1810,7 +1815,7 @@
           <a:p>
             <a:fld id="{6337795A-66C8-4B04-9297-31AE65D1A334}" type="datetimeFigureOut">
               <a:rPr lang="en-AU" smtClean="0"/>
-              <a:t>21/04/2023</a:t>
+              <a:t>24/04/2023</a:t>
             </a:fld>
             <a:endParaRPr lang="en-AU"/>
           </a:p>
@@ -2123,7 +2128,7 @@
           <a:p>
             <a:fld id="{6337795A-66C8-4B04-9297-31AE65D1A334}" type="datetimeFigureOut">
               <a:rPr lang="en-AU" smtClean="0"/>
-              <a:t>21/04/2023</a:t>
+              <a:t>24/04/2023</a:t>
             </a:fld>
             <a:endParaRPr lang="en-AU"/>
           </a:p>
@@ -2449,7 +2454,7 @@
           <a:p>
             <a:fld id="{6337795A-66C8-4B04-9297-31AE65D1A334}" type="datetimeFigureOut">
               <a:rPr lang="en-AU" smtClean="0"/>
-              <a:t>21/04/2023</a:t>
+              <a:t>24/04/2023</a:t>
             </a:fld>
             <a:endParaRPr lang="en-AU"/>
           </a:p>
@@ -2762,7 +2767,7 @@
           <a:p>
             <a:fld id="{6337795A-66C8-4B04-9297-31AE65D1A334}" type="datetimeFigureOut">
               <a:rPr lang="en-AU" smtClean="0"/>
-              <a:t>21/04/2023</a:t>
+              <a:t>24/04/2023</a:t>
             </a:fld>
             <a:endParaRPr lang="en-AU"/>
           </a:p>
@@ -3148,7 +3153,7 @@
           <a:p>
             <a:fld id="{6337795A-66C8-4B04-9297-31AE65D1A334}" type="datetimeFigureOut">
               <a:rPr lang="en-AU" smtClean="0"/>
-              <a:t>21/04/2023</a:t>
+              <a:t>24/04/2023</a:t>
             </a:fld>
             <a:endParaRPr lang="en-AU"/>
           </a:p>
@@ -3316,7 +3321,7 @@
           <a:p>
             <a:fld id="{6337795A-66C8-4B04-9297-31AE65D1A334}" type="datetimeFigureOut">
               <a:rPr lang="en-AU" smtClean="0"/>
-              <a:t>21/04/2023</a:t>
+              <a:t>24/04/2023</a:t>
             </a:fld>
             <a:endParaRPr lang="en-AU"/>
           </a:p>
@@ -3494,7 +3499,7 @@
           <a:p>
             <a:fld id="{6337795A-66C8-4B04-9297-31AE65D1A334}" type="datetimeFigureOut">
               <a:rPr lang="en-AU" smtClean="0"/>
-              <a:t>21/04/2023</a:t>
+              <a:t>24/04/2023</a:t>
             </a:fld>
             <a:endParaRPr lang="en-AU"/>
           </a:p>
@@ -3668,7 +3673,7 @@
           <a:p>
             <a:fld id="{6337795A-66C8-4B04-9297-31AE65D1A334}" type="datetimeFigureOut">
               <a:rPr lang="en-AU" smtClean="0"/>
-              <a:t>21/04/2023</a:t>
+              <a:t>24/04/2023</a:t>
             </a:fld>
             <a:endParaRPr lang="en-AU"/>
           </a:p>
@@ -3914,7 +3919,7 @@
           <a:p>
             <a:fld id="{6337795A-66C8-4B04-9297-31AE65D1A334}" type="datetimeFigureOut">
               <a:rPr lang="en-AU" smtClean="0"/>
-              <a:t>21/04/2023</a:t>
+              <a:t>24/04/2023</a:t>
             </a:fld>
             <a:endParaRPr lang="en-AU"/>
           </a:p>
@@ -4143,7 +4148,7 @@
           <a:p>
             <a:fld id="{6337795A-66C8-4B04-9297-31AE65D1A334}" type="datetimeFigureOut">
               <a:rPr lang="en-AU" smtClean="0"/>
-              <a:t>21/04/2023</a:t>
+              <a:t>24/04/2023</a:t>
             </a:fld>
             <a:endParaRPr lang="en-AU"/>
           </a:p>
@@ -4514,7 +4519,7 @@
           <a:p>
             <a:fld id="{6337795A-66C8-4B04-9297-31AE65D1A334}" type="datetimeFigureOut">
               <a:rPr lang="en-AU" smtClean="0"/>
-              <a:t>21/04/2023</a:t>
+              <a:t>24/04/2023</a:t>
             </a:fld>
             <a:endParaRPr lang="en-AU"/>
           </a:p>
@@ -4636,7 +4641,7 @@
           <a:p>
             <a:fld id="{6337795A-66C8-4B04-9297-31AE65D1A334}" type="datetimeFigureOut">
               <a:rPr lang="en-AU" smtClean="0"/>
-              <a:t>21/04/2023</a:t>
+              <a:t>24/04/2023</a:t>
             </a:fld>
             <a:endParaRPr lang="en-AU"/>
           </a:p>
@@ -4731,7 +4736,7 @@
           <a:p>
             <a:fld id="{6337795A-66C8-4B04-9297-31AE65D1A334}" type="datetimeFigureOut">
               <a:rPr lang="en-AU" smtClean="0"/>
-              <a:t>21/04/2023</a:t>
+              <a:t>24/04/2023</a:t>
             </a:fld>
             <a:endParaRPr lang="en-AU"/>
           </a:p>
@@ -4984,7 +4989,7 @@
           <a:p>
             <a:fld id="{6337795A-66C8-4B04-9297-31AE65D1A334}" type="datetimeFigureOut">
               <a:rPr lang="en-AU" smtClean="0"/>
-              <a:t>21/04/2023</a:t>
+              <a:t>24/04/2023</a:t>
             </a:fld>
             <a:endParaRPr lang="en-AU"/>
           </a:p>
@@ -5245,7 +5250,7 @@
           <a:p>
             <a:fld id="{6337795A-66C8-4B04-9297-31AE65D1A334}" type="datetimeFigureOut">
               <a:rPr lang="en-AU" smtClean="0"/>
-              <a:t>21/04/2023</a:t>
+              <a:t>24/04/2023</a:t>
             </a:fld>
             <a:endParaRPr lang="en-AU"/>
           </a:p>
@@ -5988,7 +5993,7 @@
           <a:p>
             <a:fld id="{6337795A-66C8-4B04-9297-31AE65D1A334}" type="datetimeFigureOut">
               <a:rPr lang="en-AU" smtClean="0"/>
-              <a:t>21/04/2023</a:t>
+              <a:t>24/04/2023</a:t>
             </a:fld>
             <a:endParaRPr lang="en-AU"/>
           </a:p>
@@ -6984,7 +6989,7 @@
         <p:spPr/>
         <p:txBody>
           <a:bodyPr>
-            <a:normAutofit fontScale="92500" lnSpcReduction="20000"/>
+            <a:normAutofit fontScale="92500" lnSpcReduction="10000"/>
           </a:bodyPr>
           <a:lstStyle/>
           <a:p>
@@ -7045,13 +7050,6 @@
             <a:r>
               <a:rPr lang="de-DE" dirty="0"/>
               <a:t>?</a:t>
-            </a:r>
-          </a:p>
-          <a:p>
-            <a:pPr lvl="1"/>
-            <a:r>
-              <a:rPr lang="de-DE" dirty="0"/>
-              <a:t>Was ist in meiner Box?</a:t>
             </a:r>
           </a:p>
           <a:p>
@@ -7186,23 +7184,30 @@
             <a:spLocks noGrp="1"/>
           </p:cNvSpPr>
           <p:nvPr>
-            <p:ph idx="1"/>
+            <p:ph sz="half" idx="1"/>
           </p:nvPr>
         </p:nvSpPr>
         <p:spPr/>
         <p:txBody>
           <a:bodyPr>
-            <a:normAutofit fontScale="92500" lnSpcReduction="10000"/>
+            <a:normAutofit/>
           </a:bodyPr>
           <a:lstStyle/>
           <a:p>
+            <a:pPr>
+              <a:buFont typeface="+mj-lt"/>
+              <a:buAutoNum type="arabicPeriod"/>
+            </a:pPr>
             <a:r>
               <a:rPr lang="de-DE" dirty="0"/>
               <a:t> Themen von Tag 1 aufarbeiten</a:t>
             </a:r>
           </a:p>
           <a:p>
-            <a:pPr lvl="1"/>
+            <a:pPr marL="800100" lvl="1" indent="-342900">
+              <a:buFont typeface="+mj-lt"/>
+              <a:buAutoNum type="arabicPeriod"/>
+            </a:pPr>
             <a:r>
               <a:rPr lang="de-DE" dirty="0"/>
               <a:t>Liegengebliebenes oder offene Fragen</a:t>
@@ -7216,6 +7221,10 @@
             <a:endParaRPr lang="de-DE" dirty="0"/>
           </a:p>
           <a:p>
+            <a:pPr>
+              <a:buFont typeface="+mj-lt"/>
+              <a:buAutoNum type="arabicPeriod"/>
+            </a:pPr>
             <a:r>
               <a:rPr lang="de-DE" dirty="0"/>
               <a:t> </a:t>
@@ -7230,7 +7239,10 @@
             </a:r>
           </a:p>
           <a:p>
-            <a:pPr lvl="1"/>
+            <a:pPr marL="800100" lvl="1" indent="-342900">
+              <a:buFont typeface="+mj-lt"/>
+              <a:buAutoNum type="arabicPeriod"/>
+            </a:pPr>
             <a:r>
               <a:rPr lang="de-DE" dirty="0" err="1"/>
               <a:t>Microbit</a:t>
@@ -7241,38 +7253,112 @@
             </a:r>
           </a:p>
           <a:p>
-            <a:pPr lvl="1"/>
+            <a:pPr marL="800100" lvl="1" indent="-342900">
+              <a:buFont typeface="+mj-lt"/>
+              <a:buAutoNum type="arabicPeriod"/>
+            </a:pPr>
             <a:r>
               <a:rPr lang="de-DE" dirty="0"/>
-              <a:t>Sensoren kennenlernen</a:t>
-            </a:r>
-          </a:p>
-          <a:p>
-            <a:pPr lvl="1"/>
+              <a:t>Eingebaute Sensoren kennenlernen</a:t>
+            </a:r>
+          </a:p>
+        </p:txBody>
+      </p:sp>
+      <p:sp>
+        <p:nvSpPr>
+          <p:cNvPr id="4" name="Inhaltsplatzhalter 3">
+            <a:extLst>
+              <a:ext uri="{FF2B5EF4-FFF2-40B4-BE49-F238E27FC236}">
+                <a16:creationId xmlns:a16="http://schemas.microsoft.com/office/drawing/2014/main" id="{3E0769A7-94C7-DB3B-63BC-427A820C0409}"/>
+              </a:ext>
+            </a:extLst>
+          </p:cNvPr>
+          <p:cNvSpPr>
+            <a:spLocks noGrp="1"/>
+          </p:cNvSpPr>
+          <p:nvPr>
+            <p:ph sz="half" idx="2"/>
+          </p:nvPr>
+        </p:nvSpPr>
+        <p:spPr/>
+        <p:txBody>
+          <a:bodyPr/>
+          <a:lstStyle/>
+          <a:p>
+            <a:pPr>
+              <a:buFont typeface="+mj-lt"/>
+              <a:buAutoNum type="arabicPeriod" startAt="3"/>
+            </a:pPr>
             <a:r>
               <a:rPr lang="de-DE" dirty="0"/>
-              <a:t>Routine erlangen</a:t>
-            </a:r>
-          </a:p>
-          <a:p>
-            <a:pPr lvl="1"/>
+              <a:t>Sensoren Box</a:t>
+            </a:r>
+          </a:p>
+          <a:p>
+            <a:pPr marL="800100" lvl="1" indent="-342900">
+              <a:buFont typeface="+mj-lt"/>
+              <a:buAutoNum type="arabicPeriod"/>
+            </a:pPr>
+            <a:r>
+              <a:rPr lang="de-DE" dirty="0"/>
+              <a:t>Was ist in der </a:t>
+            </a:r>
+            <a:r>
+              <a:rPr lang="de-DE" dirty="0" err="1"/>
+              <a:t>Boxund</a:t>
+            </a:r>
+            <a:r>
+              <a:rPr lang="de-DE" dirty="0"/>
+              <a:t> kann der </a:t>
+            </a:r>
+            <a:r>
+              <a:rPr lang="de-DE" dirty="0" err="1"/>
+              <a:t>Microbit</a:t>
+            </a:r>
+            <a:r>
+              <a:rPr lang="de-DE" dirty="0"/>
+              <a:t>?</a:t>
+            </a:r>
+          </a:p>
+          <a:p>
+            <a:pPr marL="800100" lvl="1" indent="-342900">
+              <a:buFont typeface="+mj-lt"/>
+              <a:buAutoNum type="arabicPeriod"/>
+            </a:pPr>
+            <a:r>
+              <a:rPr lang="de-DE" dirty="0"/>
+              <a:t>Was ist in meiner Box?</a:t>
+            </a:r>
+            <a:br>
+              <a:rPr lang="de-DE" dirty="0"/>
+            </a:br>
             <a:endParaRPr lang="de-DE" dirty="0"/>
           </a:p>
           <a:p>
+            <a:pPr>
+              <a:buFont typeface="+mj-lt"/>
+              <a:buAutoNum type="arabicPeriod" startAt="3"/>
+            </a:pPr>
             <a:r>
               <a:rPr lang="de-DE" dirty="0"/>
               <a:t>Vorbereitung auf Projekt</a:t>
             </a:r>
           </a:p>
           <a:p>
-            <a:pPr lvl="1"/>
+            <a:pPr marL="800100" lvl="1" indent="-342900">
+              <a:buFont typeface="+mj-lt"/>
+              <a:buAutoNum type="arabicPeriod"/>
+            </a:pPr>
             <a:r>
               <a:rPr lang="de-DE" dirty="0"/>
               <a:t>Inspirationsquellen</a:t>
             </a:r>
           </a:p>
           <a:p>
-            <a:pPr lvl="1"/>
+            <a:pPr marL="800100" lvl="1" indent="-342900">
+              <a:buFont typeface="+mj-lt"/>
+              <a:buAutoNum type="arabicPeriod"/>
+            </a:pPr>
             <a:r>
               <a:rPr lang="de-AT" dirty="0"/>
               <a:t>Machbarkeit geprüft</a:t>

--- a/internal/slides/Python-Workshop.pptx
+++ b/internal/slides/Python-Workshop.pptx
@@ -3,19 +3,20 @@
 <p:presentation xmlns:a="http://schemas.openxmlformats.org/drawingml/2006/main" xmlns:r="http://schemas.openxmlformats.org/officeDocument/2006/relationships" xmlns:p="http://schemas.openxmlformats.org/presentationml/2006/main" saveSubsetFonts="1">
   <p:sldMasterIdLst>
     <p:sldMasterId id="2147483660" r:id="rId1"/>
+    <p:sldMasterId id="2147483689" r:id="rId2"/>
   </p:sldMasterIdLst>
   <p:notesMasterIdLst>
-    <p:notesMasterId r:id="rId10"/>
+    <p:notesMasterId r:id="rId11"/>
   </p:notesMasterIdLst>
   <p:sldIdLst>
-    <p:sldId id="256" r:id="rId2"/>
-    <p:sldId id="257" r:id="rId3"/>
-    <p:sldId id="260" r:id="rId4"/>
-    <p:sldId id="259" r:id="rId5"/>
-    <p:sldId id="261" r:id="rId6"/>
-    <p:sldId id="262" r:id="rId7"/>
-    <p:sldId id="263" r:id="rId8"/>
-    <p:sldId id="258" r:id="rId9"/>
+    <p:sldId id="256" r:id="rId3"/>
+    <p:sldId id="257" r:id="rId4"/>
+    <p:sldId id="260" r:id="rId5"/>
+    <p:sldId id="259" r:id="rId6"/>
+    <p:sldId id="261" r:id="rId7"/>
+    <p:sldId id="262" r:id="rId8"/>
+    <p:sldId id="263" r:id="rId9"/>
+    <p:sldId id="258" r:id="rId10"/>
   </p:sldIdLst>
   <p:sldSz cx="12192000" cy="6858000"/>
   <p:notesSz cx="6858000" cy="9144000"/>
@@ -204,7 +205,7 @@
           <a:p>
             <a:fld id="{499A1EE7-0C14-4217-B24D-A63A9E8E2E1B}" type="datetimeFigureOut">
               <a:rPr lang="de-AT" smtClean="0"/>
-              <a:t>24.04.2023</a:t>
+              <a:t>28.04.2023</a:t>
             </a:fld>
             <a:endParaRPr lang="de-AT"/>
           </a:p>
@@ -1565,7 +1566,7 @@
           <a:p>
             <a:fld id="{6337795A-66C8-4B04-9297-31AE65D1A334}" type="datetimeFigureOut">
               <a:rPr lang="en-AU" smtClean="0"/>
-              <a:t>24/04/2023</a:t>
+              <a:t>28/04/2023</a:t>
             </a:fld>
             <a:endParaRPr lang="en-AU"/>
           </a:p>
@@ -1815,7 +1816,7 @@
           <a:p>
             <a:fld id="{6337795A-66C8-4B04-9297-31AE65D1A334}" type="datetimeFigureOut">
               <a:rPr lang="en-AU" smtClean="0"/>
-              <a:t>24/04/2023</a:t>
+              <a:t>28/04/2023</a:t>
             </a:fld>
             <a:endParaRPr lang="en-AU"/>
           </a:p>
@@ -2128,7 +2129,7 @@
           <a:p>
             <a:fld id="{6337795A-66C8-4B04-9297-31AE65D1A334}" type="datetimeFigureOut">
               <a:rPr lang="en-AU" smtClean="0"/>
-              <a:t>24/04/2023</a:t>
+              <a:t>28/04/2023</a:t>
             </a:fld>
             <a:endParaRPr lang="en-AU"/>
           </a:p>
@@ -2454,7 +2455,7 @@
           <a:p>
             <a:fld id="{6337795A-66C8-4B04-9297-31AE65D1A334}" type="datetimeFigureOut">
               <a:rPr lang="en-AU" smtClean="0"/>
-              <a:t>24/04/2023</a:t>
+              <a:t>28/04/2023</a:t>
             </a:fld>
             <a:endParaRPr lang="en-AU"/>
           </a:p>
@@ -2767,7 +2768,7 @@
           <a:p>
             <a:fld id="{6337795A-66C8-4B04-9297-31AE65D1A334}" type="datetimeFigureOut">
               <a:rPr lang="en-AU" smtClean="0"/>
-              <a:t>24/04/2023</a:t>
+              <a:t>28/04/2023</a:t>
             </a:fld>
             <a:endParaRPr lang="en-AU"/>
           </a:p>
@@ -3153,7 +3154,7 @@
           <a:p>
             <a:fld id="{6337795A-66C8-4B04-9297-31AE65D1A334}" type="datetimeFigureOut">
               <a:rPr lang="en-AU" smtClean="0"/>
-              <a:t>24/04/2023</a:t>
+              <a:t>28/04/2023</a:t>
             </a:fld>
             <a:endParaRPr lang="en-AU"/>
           </a:p>
@@ -3321,7 +3322,7 @@
           <a:p>
             <a:fld id="{6337795A-66C8-4B04-9297-31AE65D1A334}" type="datetimeFigureOut">
               <a:rPr lang="en-AU" smtClean="0"/>
-              <a:t>24/04/2023</a:t>
+              <a:t>28/04/2023</a:t>
             </a:fld>
             <a:endParaRPr lang="en-AU"/>
           </a:p>
@@ -3499,7 +3500,7 @@
           <a:p>
             <a:fld id="{6337795A-66C8-4B04-9297-31AE65D1A334}" type="datetimeFigureOut">
               <a:rPr lang="en-AU" smtClean="0"/>
-              <a:t>24/04/2023</a:t>
+              <a:t>28/04/2023</a:t>
             </a:fld>
             <a:endParaRPr lang="en-AU"/>
           </a:p>
@@ -3556,6 +3557,924 @@
   </p:cSld>
   <p:clrMapOvr>
     <a:masterClrMapping/>
+  </p:clrMapOvr>
+</p:sldLayout>
+</file>
+
+<file path=ppt/slideLayouts/slideLayout17.xml><?xml version="1.0" encoding="utf-8"?>
+<p:sldLayout xmlns:a="http://schemas.openxmlformats.org/drawingml/2006/main" xmlns:r="http://schemas.openxmlformats.org/officeDocument/2006/relationships" xmlns:p="http://schemas.openxmlformats.org/presentationml/2006/main" showMasterSp="0" type="title" preserve="1">
+  <p:cSld name="Titelfolie">
+    <p:bg>
+      <p:bgPr>
+        <a:solidFill>
+          <a:schemeClr val="accent1"/>
+        </a:solidFill>
+        <a:effectLst/>
+      </p:bgPr>
+    </p:bg>
+    <p:spTree>
+      <p:nvGrpSpPr>
+        <p:cNvPr id="1" name=""/>
+        <p:cNvGrpSpPr/>
+        <p:nvPr/>
+      </p:nvGrpSpPr>
+      <p:grpSpPr>
+        <a:xfrm>
+          <a:off x="0" y="0"/>
+          <a:ext cx="0" cy="0"/>
+          <a:chOff x="0" y="0"/>
+          <a:chExt cx="0" cy="0"/>
+        </a:xfrm>
+      </p:grpSpPr>
+      <p:sp>
+        <p:nvSpPr>
+          <p:cNvPr id="2" name="Title 1"/>
+          <p:cNvSpPr>
+            <a:spLocks noGrp="1"/>
+          </p:cNvSpPr>
+          <p:nvPr>
+            <p:ph type="ctrTitle"/>
+          </p:nvPr>
+        </p:nvSpPr>
+        <p:spPr>
+          <a:xfrm>
+            <a:off x="1915128" y="1788454"/>
+            <a:ext cx="8361229" cy="2098226"/>
+          </a:xfrm>
+        </p:spPr>
+        <p:txBody>
+          <a:bodyPr anchor="b">
+            <a:noAutofit/>
+          </a:bodyPr>
+          <a:lstStyle>
+            <a:lvl1pPr algn="ctr">
+              <a:defRPr sz="7200" cap="all" baseline="0">
+                <a:solidFill>
+                  <a:schemeClr val="tx2"/>
+                </a:solidFill>
+              </a:defRPr>
+            </a:lvl1pPr>
+          </a:lstStyle>
+          <a:p>
+            <a:r>
+              <a:rPr lang="de-DE"/>
+              <a:t>Mastertitelformat bearbeiten</a:t>
+            </a:r>
+            <a:endParaRPr lang="en-US" dirty="0"/>
+          </a:p>
+        </p:txBody>
+      </p:sp>
+      <p:sp>
+        <p:nvSpPr>
+          <p:cNvPr id="3" name="Subtitle 2"/>
+          <p:cNvSpPr>
+            <a:spLocks noGrp="1"/>
+          </p:cNvSpPr>
+          <p:nvPr>
+            <p:ph type="subTitle" idx="1"/>
+          </p:nvPr>
+        </p:nvSpPr>
+        <p:spPr>
+          <a:xfrm>
+            <a:off x="2679906" y="3956279"/>
+            <a:ext cx="6831673" cy="1086237"/>
+          </a:xfrm>
+        </p:spPr>
+        <p:txBody>
+          <a:bodyPr>
+            <a:normAutofit/>
+          </a:bodyPr>
+          <a:lstStyle>
+            <a:lvl1pPr marL="0" indent="0" algn="ctr">
+              <a:lnSpc>
+                <a:spcPct val="112000"/>
+              </a:lnSpc>
+              <a:spcBef>
+                <a:spcPts val="0"/>
+              </a:spcBef>
+              <a:spcAft>
+                <a:spcPts val="0"/>
+              </a:spcAft>
+              <a:buNone/>
+              <a:defRPr sz="2300">
+                <a:solidFill>
+                  <a:schemeClr val="tx1"/>
+                </a:solidFill>
+              </a:defRPr>
+            </a:lvl1pPr>
+            <a:lvl2pPr marL="457200" indent="0" algn="ctr">
+              <a:buNone/>
+              <a:defRPr sz="2000"/>
+            </a:lvl2pPr>
+            <a:lvl3pPr marL="914400" indent="0" algn="ctr">
+              <a:buNone/>
+              <a:defRPr sz="1800"/>
+            </a:lvl3pPr>
+            <a:lvl4pPr marL="1371600" indent="0" algn="ctr">
+              <a:buNone/>
+              <a:defRPr sz="1600"/>
+            </a:lvl4pPr>
+            <a:lvl5pPr marL="1828800" indent="0" algn="ctr">
+              <a:buNone/>
+              <a:defRPr sz="1600"/>
+            </a:lvl5pPr>
+            <a:lvl6pPr marL="2286000" indent="0" algn="ctr">
+              <a:buNone/>
+              <a:defRPr sz="1600"/>
+            </a:lvl6pPr>
+            <a:lvl7pPr marL="2743200" indent="0" algn="ctr">
+              <a:buNone/>
+              <a:defRPr sz="1600"/>
+            </a:lvl7pPr>
+            <a:lvl8pPr marL="3200400" indent="0" algn="ctr">
+              <a:buNone/>
+              <a:defRPr sz="1600"/>
+            </a:lvl8pPr>
+            <a:lvl9pPr marL="3657600" indent="0" algn="ctr">
+              <a:buNone/>
+              <a:defRPr sz="1600"/>
+            </a:lvl9pPr>
+          </a:lstStyle>
+          <a:p>
+            <a:r>
+              <a:rPr lang="de-DE" dirty="0"/>
+              <a:t>Master-Untertitelformat bearbeiten</a:t>
+            </a:r>
+            <a:endParaRPr lang="en-US" dirty="0"/>
+          </a:p>
+        </p:txBody>
+      </p:sp>
+      <p:sp>
+        <p:nvSpPr>
+          <p:cNvPr id="4" name="Date Placeholder 3"/>
+          <p:cNvSpPr>
+            <a:spLocks noGrp="1"/>
+          </p:cNvSpPr>
+          <p:nvPr>
+            <p:ph type="dt" sz="half" idx="10"/>
+          </p:nvPr>
+        </p:nvSpPr>
+        <p:spPr>
+          <a:xfrm>
+            <a:off x="752858" y="6453386"/>
+            <a:ext cx="1607944" cy="404614"/>
+          </a:xfrm>
+        </p:spPr>
+        <p:txBody>
+          <a:bodyPr/>
+          <a:lstStyle>
+            <a:lvl1pPr>
+              <a:defRPr baseline="0">
+                <a:solidFill>
+                  <a:schemeClr val="tx2"/>
+                </a:solidFill>
+              </a:defRPr>
+            </a:lvl1pPr>
+          </a:lstStyle>
+          <a:p>
+            <a:fld id="{6337795A-66C8-4B04-9297-31AE65D1A334}" type="datetimeFigureOut">
+              <a:rPr lang="en-AU" smtClean="0"/>
+              <a:t>28/04/2023</a:t>
+            </a:fld>
+            <a:endParaRPr lang="en-AU"/>
+          </a:p>
+        </p:txBody>
+      </p:sp>
+      <p:sp>
+        <p:nvSpPr>
+          <p:cNvPr id="5" name="Footer Placeholder 4"/>
+          <p:cNvSpPr>
+            <a:spLocks noGrp="1"/>
+          </p:cNvSpPr>
+          <p:nvPr>
+            <p:ph type="ftr" sz="quarter" idx="11"/>
+          </p:nvPr>
+        </p:nvSpPr>
+        <p:spPr>
+          <a:xfrm>
+            <a:off x="2584054" y="6453386"/>
+            <a:ext cx="7023377" cy="404614"/>
+          </a:xfrm>
+        </p:spPr>
+        <p:txBody>
+          <a:bodyPr/>
+          <a:lstStyle>
+            <a:lvl1pPr algn="ctr">
+              <a:defRPr baseline="0">
+                <a:solidFill>
+                  <a:schemeClr val="tx2"/>
+                </a:solidFill>
+              </a:defRPr>
+            </a:lvl1pPr>
+          </a:lstStyle>
+          <a:p>
+            <a:endParaRPr lang="en-AU"/>
+          </a:p>
+        </p:txBody>
+      </p:sp>
+      <p:sp>
+        <p:nvSpPr>
+          <p:cNvPr id="6" name="Slide Number Placeholder 5"/>
+          <p:cNvSpPr>
+            <a:spLocks noGrp="1"/>
+          </p:cNvSpPr>
+          <p:nvPr>
+            <p:ph type="sldNum" sz="quarter" idx="12"/>
+          </p:nvPr>
+        </p:nvSpPr>
+        <p:spPr>
+          <a:xfrm>
+            <a:off x="9830683" y="6453386"/>
+            <a:ext cx="1596292" cy="404614"/>
+          </a:xfrm>
+        </p:spPr>
+        <p:txBody>
+          <a:bodyPr/>
+          <a:lstStyle>
+            <a:lvl1pPr>
+              <a:defRPr baseline="0">
+                <a:solidFill>
+                  <a:schemeClr val="tx2"/>
+                </a:solidFill>
+              </a:defRPr>
+            </a:lvl1pPr>
+          </a:lstStyle>
+          <a:p>
+            <a:fld id="{652659A8-14FA-4684-9831-D27427F2CB72}" type="slidenum">
+              <a:rPr lang="en-AU" smtClean="0"/>
+              <a:t>‹Nr.›</a:t>
+            </a:fld>
+            <a:endParaRPr lang="en-AU"/>
+          </a:p>
+        </p:txBody>
+      </p:sp>
+      <p:grpSp>
+        <p:nvGrpSpPr>
+          <p:cNvPr id="9" name="Group 8"/>
+          <p:cNvGrpSpPr/>
+          <p:nvPr/>
+        </p:nvGrpSpPr>
+        <p:grpSpPr>
+          <a:xfrm>
+            <a:off x="752858" y="744469"/>
+            <a:ext cx="10674117" cy="5349671"/>
+            <a:chOff x="752858" y="744469"/>
+            <a:chExt cx="10674117" cy="5349671"/>
+          </a:xfrm>
+        </p:grpSpPr>
+        <p:sp>
+          <p:nvSpPr>
+            <p:cNvPr id="11" name="Freeform 6"/>
+            <p:cNvSpPr/>
+            <p:nvPr/>
+          </p:nvSpPr>
+          <p:spPr bwMode="auto">
+            <a:xfrm>
+              <a:off x="8151962" y="1685652"/>
+              <a:ext cx="3275013" cy="4408488"/>
+            </a:xfrm>
+            <a:custGeom>
+              <a:avLst/>
+              <a:gdLst/>
+              <a:ahLst/>
+              <a:cxnLst/>
+              <a:rect l="l" t="t" r="r" b="b"/>
+              <a:pathLst>
+                <a:path w="10000" h="10000">
+                  <a:moveTo>
+                    <a:pt x="8761" y="0"/>
+                  </a:moveTo>
+                  <a:lnTo>
+                    <a:pt x="10000" y="0"/>
+                  </a:lnTo>
+                  <a:lnTo>
+                    <a:pt x="10000" y="10000"/>
+                  </a:lnTo>
+                  <a:lnTo>
+                    <a:pt x="0" y="10000"/>
+                  </a:lnTo>
+                  <a:lnTo>
+                    <a:pt x="0" y="9126"/>
+                  </a:lnTo>
+                  <a:lnTo>
+                    <a:pt x="8761" y="9127"/>
+                  </a:lnTo>
+                  <a:lnTo>
+                    <a:pt x="8761" y="0"/>
+                  </a:lnTo>
+                  <a:close/>
+                </a:path>
+              </a:pathLst>
+            </a:custGeom>
+            <a:solidFill>
+              <a:schemeClr val="tx2"/>
+            </a:solidFill>
+            <a:ln w="0">
+              <a:noFill/>
+              <a:prstDash val="solid"/>
+              <a:round/>
+              <a:headEnd/>
+              <a:tailEnd/>
+            </a:ln>
+          </p:spPr>
+        </p:sp>
+        <p:sp>
+          <p:nvSpPr>
+            <p:cNvPr id="14" name="Freeform 6"/>
+            <p:cNvSpPr/>
+            <p:nvPr/>
+          </p:nvSpPr>
+          <p:spPr bwMode="auto">
+            <a:xfrm flipH="1" flipV="1">
+              <a:off x="752858" y="744469"/>
+              <a:ext cx="3275668" cy="4408488"/>
+            </a:xfrm>
+            <a:custGeom>
+              <a:avLst/>
+              <a:gdLst/>
+              <a:ahLst/>
+              <a:cxnLst/>
+              <a:rect l="l" t="t" r="r" b="b"/>
+              <a:pathLst>
+                <a:path w="10002" h="10000">
+                  <a:moveTo>
+                    <a:pt x="8763" y="0"/>
+                  </a:moveTo>
+                  <a:lnTo>
+                    <a:pt x="10002" y="0"/>
+                  </a:lnTo>
+                  <a:lnTo>
+                    <a:pt x="10002" y="10000"/>
+                  </a:lnTo>
+                  <a:lnTo>
+                    <a:pt x="2" y="10000"/>
+                  </a:lnTo>
+                  <a:cubicBezTo>
+                    <a:pt x="-2" y="9698"/>
+                    <a:pt x="4" y="9427"/>
+                    <a:pt x="0" y="9125"/>
+                  </a:cubicBezTo>
+                  <a:lnTo>
+                    <a:pt x="8763" y="9128"/>
+                  </a:lnTo>
+                  <a:lnTo>
+                    <a:pt x="8763" y="0"/>
+                  </a:lnTo>
+                  <a:close/>
+                </a:path>
+              </a:pathLst>
+            </a:custGeom>
+            <a:solidFill>
+              <a:schemeClr val="tx2"/>
+            </a:solidFill>
+            <a:ln w="0">
+              <a:noFill/>
+              <a:prstDash val="solid"/>
+              <a:round/>
+              <a:headEnd/>
+              <a:tailEnd/>
+            </a:ln>
+          </p:spPr>
+        </p:sp>
+      </p:grpSp>
+    </p:spTree>
+    <p:extLst>
+      <p:ext uri="{BB962C8B-B14F-4D97-AF65-F5344CB8AC3E}">
+        <p14:creationId xmlns:p14="http://schemas.microsoft.com/office/powerpoint/2010/main" val="837521828"/>
+      </p:ext>
+    </p:extLst>
+  </p:cSld>
+  <p:clrMapOvr>
+    <a:masterClrMapping/>
+  </p:clrMapOvr>
+</p:sldLayout>
+</file>
+
+<file path=ppt/slideLayouts/slideLayout18.xml><?xml version="1.0" encoding="utf-8"?>
+<p:sldLayout xmlns:a="http://schemas.openxmlformats.org/drawingml/2006/main" xmlns:r="http://schemas.openxmlformats.org/officeDocument/2006/relationships" xmlns:p="http://schemas.openxmlformats.org/presentationml/2006/main" type="obj" preserve="1">
+  <p:cSld name="Titel und Inhalt">
+    <p:spTree>
+      <p:nvGrpSpPr>
+        <p:cNvPr id="1" name=""/>
+        <p:cNvGrpSpPr/>
+        <p:nvPr/>
+      </p:nvGrpSpPr>
+      <p:grpSpPr>
+        <a:xfrm>
+          <a:off x="0" y="0"/>
+          <a:ext cx="0" cy="0"/>
+          <a:chOff x="0" y="0"/>
+          <a:chExt cx="0" cy="0"/>
+        </a:xfrm>
+      </p:grpSpPr>
+      <p:sp>
+        <p:nvSpPr>
+          <p:cNvPr id="2" name="Title 1"/>
+          <p:cNvSpPr>
+            <a:spLocks noGrp="1"/>
+          </p:cNvSpPr>
+          <p:nvPr>
+            <p:ph type="title"/>
+          </p:nvPr>
+        </p:nvSpPr>
+        <p:spPr/>
+        <p:txBody>
+          <a:bodyPr/>
+          <a:lstStyle/>
+          <a:p>
+            <a:r>
+              <a:rPr lang="de-DE"/>
+              <a:t>Mastertitelformat bearbeiten</a:t>
+            </a:r>
+            <a:endParaRPr lang="en-US" dirty="0"/>
+          </a:p>
+        </p:txBody>
+      </p:sp>
+      <p:sp>
+        <p:nvSpPr>
+          <p:cNvPr id="3" name="Content Placeholder 2"/>
+          <p:cNvSpPr>
+            <a:spLocks noGrp="1"/>
+          </p:cNvSpPr>
+          <p:nvPr>
+            <p:ph idx="1"/>
+          </p:nvPr>
+        </p:nvSpPr>
+        <p:spPr/>
+        <p:txBody>
+          <a:bodyPr/>
+          <a:lstStyle/>
+          <a:p>
+            <a:pPr lvl="0"/>
+            <a:r>
+              <a:rPr lang="de-DE"/>
+              <a:t>Mastertextformat bearbeiten</a:t>
+            </a:r>
+          </a:p>
+          <a:p>
+            <a:pPr lvl="1"/>
+            <a:r>
+              <a:rPr lang="de-DE"/>
+              <a:t>Zweite Ebene</a:t>
+            </a:r>
+          </a:p>
+          <a:p>
+            <a:pPr lvl="2"/>
+            <a:r>
+              <a:rPr lang="de-DE"/>
+              <a:t>Dritte Ebene</a:t>
+            </a:r>
+          </a:p>
+          <a:p>
+            <a:pPr lvl="3"/>
+            <a:r>
+              <a:rPr lang="de-DE"/>
+              <a:t>Vierte Ebene</a:t>
+            </a:r>
+          </a:p>
+          <a:p>
+            <a:pPr lvl="4"/>
+            <a:r>
+              <a:rPr lang="de-DE"/>
+              <a:t>Fünfte Ebene</a:t>
+            </a:r>
+            <a:endParaRPr lang="en-US" dirty="0"/>
+          </a:p>
+        </p:txBody>
+      </p:sp>
+      <p:sp>
+        <p:nvSpPr>
+          <p:cNvPr id="4" name="Date Placeholder 3"/>
+          <p:cNvSpPr>
+            <a:spLocks noGrp="1"/>
+          </p:cNvSpPr>
+          <p:nvPr>
+            <p:ph type="dt" sz="half" idx="10"/>
+          </p:nvPr>
+        </p:nvSpPr>
+        <p:spPr/>
+        <p:txBody>
+          <a:bodyPr/>
+          <a:lstStyle/>
+          <a:p>
+            <a:fld id="{6337795A-66C8-4B04-9297-31AE65D1A334}" type="datetimeFigureOut">
+              <a:rPr lang="en-AU" smtClean="0"/>
+              <a:t>28/04/2023</a:t>
+            </a:fld>
+            <a:endParaRPr lang="en-AU"/>
+          </a:p>
+        </p:txBody>
+      </p:sp>
+      <p:sp>
+        <p:nvSpPr>
+          <p:cNvPr id="5" name="Footer Placeholder 4"/>
+          <p:cNvSpPr>
+            <a:spLocks noGrp="1"/>
+          </p:cNvSpPr>
+          <p:nvPr>
+            <p:ph type="ftr" sz="quarter" idx="11"/>
+          </p:nvPr>
+        </p:nvSpPr>
+        <p:spPr/>
+        <p:txBody>
+          <a:bodyPr/>
+          <a:lstStyle/>
+          <a:p>
+            <a:endParaRPr lang="en-AU"/>
+          </a:p>
+        </p:txBody>
+      </p:sp>
+      <p:sp>
+        <p:nvSpPr>
+          <p:cNvPr id="6" name="Slide Number Placeholder 5"/>
+          <p:cNvSpPr>
+            <a:spLocks noGrp="1"/>
+          </p:cNvSpPr>
+          <p:nvPr>
+            <p:ph type="sldNum" sz="quarter" idx="12"/>
+          </p:nvPr>
+        </p:nvSpPr>
+        <p:spPr/>
+        <p:txBody>
+          <a:bodyPr/>
+          <a:lstStyle/>
+          <a:p>
+            <a:fld id="{652659A8-14FA-4684-9831-D27427F2CB72}" type="slidenum">
+              <a:rPr lang="en-AU" smtClean="0"/>
+              <a:t>‹Nr.›</a:t>
+            </a:fld>
+            <a:endParaRPr lang="en-AU"/>
+          </a:p>
+        </p:txBody>
+      </p:sp>
+    </p:spTree>
+    <p:extLst>
+      <p:ext uri="{BB962C8B-B14F-4D97-AF65-F5344CB8AC3E}">
+        <p14:creationId xmlns:p14="http://schemas.microsoft.com/office/powerpoint/2010/main" val="2754846005"/>
+      </p:ext>
+    </p:extLst>
+  </p:cSld>
+  <p:clrMapOvr>
+    <a:masterClrMapping/>
+  </p:clrMapOvr>
+</p:sldLayout>
+</file>
+
+<file path=ppt/slideLayouts/slideLayout19.xml><?xml version="1.0" encoding="utf-8"?>
+<p:sldLayout xmlns:a="http://schemas.openxmlformats.org/drawingml/2006/main" xmlns:r="http://schemas.openxmlformats.org/officeDocument/2006/relationships" xmlns:p="http://schemas.openxmlformats.org/presentationml/2006/main" showMasterSp="0" type="secHead" preserve="1">
+  <p:cSld name="Abschnitts-&#10;überschrift">
+    <p:bg>
+      <p:bgRef idx="1001">
+        <a:schemeClr val="bg2"/>
+      </p:bgRef>
+    </p:bg>
+    <p:spTree>
+      <p:nvGrpSpPr>
+        <p:cNvPr id="1" name=""/>
+        <p:cNvGrpSpPr/>
+        <p:nvPr/>
+      </p:nvGrpSpPr>
+      <p:grpSpPr>
+        <a:xfrm>
+          <a:off x="0" y="0"/>
+          <a:ext cx="0" cy="0"/>
+          <a:chOff x="0" y="0"/>
+          <a:chExt cx="0" cy="0"/>
+        </a:xfrm>
+      </p:grpSpPr>
+      <p:sp>
+        <p:nvSpPr>
+          <p:cNvPr id="2" name="Title 1"/>
+          <p:cNvSpPr>
+            <a:spLocks noGrp="1"/>
+          </p:cNvSpPr>
+          <p:nvPr>
+            <p:ph type="title"/>
+          </p:nvPr>
+        </p:nvSpPr>
+        <p:spPr>
+          <a:xfrm>
+            <a:off x="765025" y="1301360"/>
+            <a:ext cx="9612971" cy="2852737"/>
+          </a:xfrm>
+        </p:spPr>
+        <p:txBody>
+          <a:bodyPr anchor="b">
+            <a:normAutofit/>
+          </a:bodyPr>
+          <a:lstStyle>
+            <a:lvl1pPr algn="r">
+              <a:defRPr sz="7200" cap="all" baseline="0">
+                <a:solidFill>
+                  <a:schemeClr val="accent1"/>
+                </a:solidFill>
+              </a:defRPr>
+            </a:lvl1pPr>
+          </a:lstStyle>
+          <a:p>
+            <a:r>
+              <a:rPr lang="de-DE" dirty="0"/>
+              <a:t>Mastertitelformat bearbeiten</a:t>
+            </a:r>
+            <a:endParaRPr lang="en-US" dirty="0"/>
+          </a:p>
+        </p:txBody>
+      </p:sp>
+      <p:sp>
+        <p:nvSpPr>
+          <p:cNvPr id="3" name="Text Placeholder 2"/>
+          <p:cNvSpPr>
+            <a:spLocks noGrp="1"/>
+          </p:cNvSpPr>
+          <p:nvPr>
+            <p:ph type="body" idx="1"/>
+          </p:nvPr>
+        </p:nvSpPr>
+        <p:spPr>
+          <a:xfrm>
+            <a:off x="765025" y="4216328"/>
+            <a:ext cx="9612971" cy="1143324"/>
+          </a:xfrm>
+        </p:spPr>
+        <p:txBody>
+          <a:bodyPr/>
+          <a:lstStyle>
+            <a:lvl1pPr marL="0" indent="0" algn="r">
+              <a:lnSpc>
+                <a:spcPct val="112000"/>
+              </a:lnSpc>
+              <a:spcBef>
+                <a:spcPts val="0"/>
+              </a:spcBef>
+              <a:spcAft>
+                <a:spcPts val="0"/>
+              </a:spcAft>
+              <a:buNone/>
+              <a:defRPr sz="2400">
+                <a:solidFill>
+                  <a:schemeClr val="tx2"/>
+                </a:solidFill>
+              </a:defRPr>
+            </a:lvl1pPr>
+            <a:lvl2pPr marL="457200" indent="0">
+              <a:buNone/>
+              <a:defRPr sz="2000">
+                <a:solidFill>
+                  <a:schemeClr val="tx1">
+                    <a:tint val="75000"/>
+                  </a:schemeClr>
+                </a:solidFill>
+              </a:defRPr>
+            </a:lvl2pPr>
+            <a:lvl3pPr marL="914400" indent="0">
+              <a:buNone/>
+              <a:defRPr sz="1800">
+                <a:solidFill>
+                  <a:schemeClr val="tx1">
+                    <a:tint val="75000"/>
+                  </a:schemeClr>
+                </a:solidFill>
+              </a:defRPr>
+            </a:lvl3pPr>
+            <a:lvl4pPr marL="1371600" indent="0">
+              <a:buNone/>
+              <a:defRPr sz="1600">
+                <a:solidFill>
+                  <a:schemeClr val="tx1">
+                    <a:tint val="75000"/>
+                  </a:schemeClr>
+                </a:solidFill>
+              </a:defRPr>
+            </a:lvl4pPr>
+            <a:lvl5pPr marL="1828800" indent="0">
+              <a:buNone/>
+              <a:defRPr sz="1600">
+                <a:solidFill>
+                  <a:schemeClr val="tx1">
+                    <a:tint val="75000"/>
+                  </a:schemeClr>
+                </a:solidFill>
+              </a:defRPr>
+            </a:lvl5pPr>
+            <a:lvl6pPr marL="2286000" indent="0">
+              <a:buNone/>
+              <a:defRPr sz="1600">
+                <a:solidFill>
+                  <a:schemeClr val="tx1">
+                    <a:tint val="75000"/>
+                  </a:schemeClr>
+                </a:solidFill>
+              </a:defRPr>
+            </a:lvl6pPr>
+            <a:lvl7pPr marL="2743200" indent="0">
+              <a:buNone/>
+              <a:defRPr sz="1600">
+                <a:solidFill>
+                  <a:schemeClr val="tx1">
+                    <a:tint val="75000"/>
+                  </a:schemeClr>
+                </a:solidFill>
+              </a:defRPr>
+            </a:lvl7pPr>
+            <a:lvl8pPr marL="3200400" indent="0">
+              <a:buNone/>
+              <a:defRPr sz="1600">
+                <a:solidFill>
+                  <a:schemeClr val="tx1">
+                    <a:tint val="75000"/>
+                  </a:schemeClr>
+                </a:solidFill>
+              </a:defRPr>
+            </a:lvl8pPr>
+            <a:lvl9pPr marL="3657600" indent="0">
+              <a:buNone/>
+              <a:defRPr sz="1600">
+                <a:solidFill>
+                  <a:schemeClr val="tx1">
+                    <a:tint val="75000"/>
+                  </a:schemeClr>
+                </a:solidFill>
+              </a:defRPr>
+            </a:lvl9pPr>
+          </a:lstStyle>
+          <a:p>
+            <a:pPr lvl="0"/>
+            <a:r>
+              <a:rPr lang="de-DE"/>
+              <a:t>Mastertextformat bearbeiten</a:t>
+            </a:r>
+          </a:p>
+        </p:txBody>
+      </p:sp>
+      <p:sp>
+        <p:nvSpPr>
+          <p:cNvPr id="4" name="Date Placeholder 3"/>
+          <p:cNvSpPr>
+            <a:spLocks noGrp="1"/>
+          </p:cNvSpPr>
+          <p:nvPr>
+            <p:ph type="dt" sz="half" idx="10"/>
+          </p:nvPr>
+        </p:nvSpPr>
+        <p:spPr>
+          <a:xfrm>
+            <a:off x="738908" y="6453386"/>
+            <a:ext cx="1622409" cy="404614"/>
+          </a:xfrm>
+        </p:spPr>
+        <p:txBody>
+          <a:bodyPr/>
+          <a:lstStyle>
+            <a:lvl1pPr>
+              <a:defRPr>
+                <a:solidFill>
+                  <a:schemeClr val="tx2"/>
+                </a:solidFill>
+              </a:defRPr>
+            </a:lvl1pPr>
+          </a:lstStyle>
+          <a:p>
+            <a:fld id="{6337795A-66C8-4B04-9297-31AE65D1A334}" type="datetimeFigureOut">
+              <a:rPr lang="en-AU" smtClean="0"/>
+              <a:t>28/04/2023</a:t>
+            </a:fld>
+            <a:endParaRPr lang="en-AU"/>
+          </a:p>
+        </p:txBody>
+      </p:sp>
+      <p:sp>
+        <p:nvSpPr>
+          <p:cNvPr id="5" name="Footer Placeholder 4"/>
+          <p:cNvSpPr>
+            <a:spLocks noGrp="1"/>
+          </p:cNvSpPr>
+          <p:nvPr>
+            <p:ph type="ftr" sz="quarter" idx="11"/>
+          </p:nvPr>
+        </p:nvSpPr>
+        <p:spPr>
+          <a:xfrm>
+            <a:off x="2584312" y="6453386"/>
+            <a:ext cx="7023377" cy="404614"/>
+          </a:xfrm>
+        </p:spPr>
+        <p:txBody>
+          <a:bodyPr/>
+          <a:lstStyle>
+            <a:lvl1pPr algn="ctr">
+              <a:defRPr>
+                <a:solidFill>
+                  <a:schemeClr val="tx2"/>
+                </a:solidFill>
+              </a:defRPr>
+            </a:lvl1pPr>
+          </a:lstStyle>
+          <a:p>
+            <a:endParaRPr lang="en-AU"/>
+          </a:p>
+        </p:txBody>
+      </p:sp>
+      <p:sp>
+        <p:nvSpPr>
+          <p:cNvPr id="6" name="Slide Number Placeholder 5"/>
+          <p:cNvSpPr>
+            <a:spLocks noGrp="1"/>
+          </p:cNvSpPr>
+          <p:nvPr>
+            <p:ph type="sldNum" sz="quarter" idx="12"/>
+          </p:nvPr>
+        </p:nvSpPr>
+        <p:spPr>
+          <a:xfrm>
+            <a:off x="9830683" y="6453386"/>
+            <a:ext cx="1596292" cy="404614"/>
+          </a:xfrm>
+        </p:spPr>
+        <p:txBody>
+          <a:bodyPr/>
+          <a:lstStyle>
+            <a:lvl1pPr>
+              <a:defRPr>
+                <a:solidFill>
+                  <a:schemeClr val="tx2"/>
+                </a:solidFill>
+              </a:defRPr>
+            </a:lvl1pPr>
+          </a:lstStyle>
+          <a:p>
+            <a:fld id="{652659A8-14FA-4684-9831-D27427F2CB72}" type="slidenum">
+              <a:rPr lang="en-AU" smtClean="0"/>
+              <a:t>‹Nr.›</a:t>
+            </a:fld>
+            <a:endParaRPr lang="en-AU"/>
+          </a:p>
+        </p:txBody>
+      </p:sp>
+      <p:sp>
+        <p:nvSpPr>
+          <p:cNvPr id="7" name="Freeform 6" title="Crop Mark"/>
+          <p:cNvSpPr/>
+          <p:nvPr/>
+        </p:nvSpPr>
+        <p:spPr bwMode="auto">
+          <a:xfrm>
+            <a:off x="8151962" y="1685652"/>
+            <a:ext cx="3275013" cy="4408488"/>
+          </a:xfrm>
+          <a:custGeom>
+            <a:avLst/>
+            <a:gdLst/>
+            <a:ahLst/>
+            <a:cxnLst/>
+            <a:rect l="0" t="0" r="r" b="b"/>
+            <a:pathLst>
+              <a:path w="4125" h="5554">
+                <a:moveTo>
+                  <a:pt x="3614" y="0"/>
+                </a:moveTo>
+                <a:lnTo>
+                  <a:pt x="4125" y="0"/>
+                </a:lnTo>
+                <a:lnTo>
+                  <a:pt x="4125" y="5554"/>
+                </a:lnTo>
+                <a:lnTo>
+                  <a:pt x="0" y="5554"/>
+                </a:lnTo>
+                <a:lnTo>
+                  <a:pt x="0" y="5074"/>
+                </a:lnTo>
+                <a:lnTo>
+                  <a:pt x="3614" y="5074"/>
+                </a:lnTo>
+                <a:lnTo>
+                  <a:pt x="3614" y="0"/>
+                </a:lnTo>
+                <a:close/>
+              </a:path>
+            </a:pathLst>
+          </a:custGeom>
+          <a:solidFill>
+            <a:schemeClr val="accent1"/>
+          </a:solidFill>
+          <a:ln w="0">
+            <a:noFill/>
+            <a:prstDash val="solid"/>
+            <a:round/>
+            <a:headEnd/>
+            <a:tailEnd/>
+          </a:ln>
+        </p:spPr>
+      </p:sp>
+    </p:spTree>
+    <p:extLst>
+      <p:ext uri="{BB962C8B-B14F-4D97-AF65-F5344CB8AC3E}">
+        <p14:creationId xmlns:p14="http://schemas.microsoft.com/office/powerpoint/2010/main" val="3399107437"/>
+      </p:ext>
+    </p:extLst>
+  </p:cSld>
+  <p:clrMapOvr>
+    <a:overrideClrMapping bg1="dk1" tx1="lt1" bg2="dk2" tx2="lt2" accent1="accent1" accent2="accent2" accent3="accent3" accent4="accent4" accent5="accent5" accent6="accent6" hlink="hlink" folHlink="folHlink"/>
   </p:clrMapOvr>
 </p:sldLayout>
 </file>
@@ -3673,7 +4592,7 @@
           <a:p>
             <a:fld id="{6337795A-66C8-4B04-9297-31AE65D1A334}" type="datetimeFigureOut">
               <a:rPr lang="en-AU" smtClean="0"/>
-              <a:t>24/04/2023</a:t>
+              <a:t>28/04/2023</a:t>
             </a:fld>
             <a:endParaRPr lang="en-AU"/>
           </a:p>
@@ -3725,6 +4644,2528 @@
     <p:extLst>
       <p:ext uri="{BB962C8B-B14F-4D97-AF65-F5344CB8AC3E}">
         <p14:creationId xmlns:p14="http://schemas.microsoft.com/office/powerpoint/2010/main" val="4078026763"/>
+      </p:ext>
+    </p:extLst>
+  </p:cSld>
+  <p:clrMapOvr>
+    <a:masterClrMapping/>
+  </p:clrMapOvr>
+</p:sldLayout>
+</file>
+
+<file path=ppt/slideLayouts/slideLayout20.xml><?xml version="1.0" encoding="utf-8"?>
+<p:sldLayout xmlns:a="http://schemas.openxmlformats.org/drawingml/2006/main" xmlns:r="http://schemas.openxmlformats.org/officeDocument/2006/relationships" xmlns:p="http://schemas.openxmlformats.org/presentationml/2006/main" showMasterSp="0" type="secHead" preserve="1">
+  <p:cSld name="1_Abschnitts-&#10;überschrift">
+    <p:bg>
+      <p:bgRef idx="1001">
+        <a:schemeClr val="bg2"/>
+      </p:bgRef>
+    </p:bg>
+    <p:spTree>
+      <p:nvGrpSpPr>
+        <p:cNvPr id="1" name=""/>
+        <p:cNvGrpSpPr/>
+        <p:nvPr/>
+      </p:nvGrpSpPr>
+      <p:grpSpPr>
+        <a:xfrm>
+          <a:off x="0" y="0"/>
+          <a:ext cx="0" cy="0"/>
+          <a:chOff x="0" y="0"/>
+          <a:chExt cx="0" cy="0"/>
+        </a:xfrm>
+      </p:grpSpPr>
+      <p:sp>
+        <p:nvSpPr>
+          <p:cNvPr id="2" name="Title 1"/>
+          <p:cNvSpPr>
+            <a:spLocks noGrp="1"/>
+          </p:cNvSpPr>
+          <p:nvPr>
+            <p:ph type="title"/>
+          </p:nvPr>
+        </p:nvSpPr>
+        <p:spPr>
+          <a:xfrm>
+            <a:off x="765025" y="1301360"/>
+            <a:ext cx="9612971" cy="2852737"/>
+          </a:xfrm>
+        </p:spPr>
+        <p:txBody>
+          <a:bodyPr anchor="b">
+            <a:normAutofit/>
+          </a:bodyPr>
+          <a:lstStyle>
+            <a:lvl1pPr algn="r">
+              <a:defRPr sz="7200" cap="all" baseline="0">
+                <a:solidFill>
+                  <a:schemeClr val="accent1"/>
+                </a:solidFill>
+              </a:defRPr>
+            </a:lvl1pPr>
+          </a:lstStyle>
+          <a:p>
+            <a:r>
+              <a:rPr lang="de-DE" dirty="0"/>
+              <a:t>Mastertitelformat bearbeiten</a:t>
+            </a:r>
+            <a:endParaRPr lang="en-US" dirty="0"/>
+          </a:p>
+        </p:txBody>
+      </p:sp>
+      <p:sp>
+        <p:nvSpPr>
+          <p:cNvPr id="3" name="Text Placeholder 2"/>
+          <p:cNvSpPr>
+            <a:spLocks noGrp="1"/>
+          </p:cNvSpPr>
+          <p:nvPr>
+            <p:ph type="body" idx="1"/>
+          </p:nvPr>
+        </p:nvSpPr>
+        <p:spPr>
+          <a:xfrm>
+            <a:off x="765025" y="4216328"/>
+            <a:ext cx="9612971" cy="1143324"/>
+          </a:xfrm>
+        </p:spPr>
+        <p:txBody>
+          <a:bodyPr/>
+          <a:lstStyle>
+            <a:lvl1pPr marL="0" indent="0" algn="r">
+              <a:lnSpc>
+                <a:spcPct val="112000"/>
+              </a:lnSpc>
+              <a:spcBef>
+                <a:spcPts val="0"/>
+              </a:spcBef>
+              <a:spcAft>
+                <a:spcPts val="0"/>
+              </a:spcAft>
+              <a:buNone/>
+              <a:defRPr sz="2400">
+                <a:solidFill>
+                  <a:schemeClr val="tx2"/>
+                </a:solidFill>
+              </a:defRPr>
+            </a:lvl1pPr>
+            <a:lvl2pPr marL="457200" indent="0">
+              <a:buNone/>
+              <a:defRPr sz="2000">
+                <a:solidFill>
+                  <a:schemeClr val="tx1">
+                    <a:tint val="75000"/>
+                  </a:schemeClr>
+                </a:solidFill>
+              </a:defRPr>
+            </a:lvl2pPr>
+            <a:lvl3pPr marL="914400" indent="0">
+              <a:buNone/>
+              <a:defRPr sz="1800">
+                <a:solidFill>
+                  <a:schemeClr val="tx1">
+                    <a:tint val="75000"/>
+                  </a:schemeClr>
+                </a:solidFill>
+              </a:defRPr>
+            </a:lvl3pPr>
+            <a:lvl4pPr marL="1371600" indent="0">
+              <a:buNone/>
+              <a:defRPr sz="1600">
+                <a:solidFill>
+                  <a:schemeClr val="tx1">
+                    <a:tint val="75000"/>
+                  </a:schemeClr>
+                </a:solidFill>
+              </a:defRPr>
+            </a:lvl4pPr>
+            <a:lvl5pPr marL="1828800" indent="0">
+              <a:buNone/>
+              <a:defRPr sz="1600">
+                <a:solidFill>
+                  <a:schemeClr val="tx1">
+                    <a:tint val="75000"/>
+                  </a:schemeClr>
+                </a:solidFill>
+              </a:defRPr>
+            </a:lvl5pPr>
+            <a:lvl6pPr marL="2286000" indent="0">
+              <a:buNone/>
+              <a:defRPr sz="1600">
+                <a:solidFill>
+                  <a:schemeClr val="tx1">
+                    <a:tint val="75000"/>
+                  </a:schemeClr>
+                </a:solidFill>
+              </a:defRPr>
+            </a:lvl6pPr>
+            <a:lvl7pPr marL="2743200" indent="0">
+              <a:buNone/>
+              <a:defRPr sz="1600">
+                <a:solidFill>
+                  <a:schemeClr val="tx1">
+                    <a:tint val="75000"/>
+                  </a:schemeClr>
+                </a:solidFill>
+              </a:defRPr>
+            </a:lvl7pPr>
+            <a:lvl8pPr marL="3200400" indent="0">
+              <a:buNone/>
+              <a:defRPr sz="1600">
+                <a:solidFill>
+                  <a:schemeClr val="tx1">
+                    <a:tint val="75000"/>
+                  </a:schemeClr>
+                </a:solidFill>
+              </a:defRPr>
+            </a:lvl8pPr>
+            <a:lvl9pPr marL="3657600" indent="0">
+              <a:buNone/>
+              <a:defRPr sz="1600">
+                <a:solidFill>
+                  <a:schemeClr val="tx1">
+                    <a:tint val="75000"/>
+                  </a:schemeClr>
+                </a:solidFill>
+              </a:defRPr>
+            </a:lvl9pPr>
+          </a:lstStyle>
+          <a:p>
+            <a:pPr lvl="0"/>
+            <a:r>
+              <a:rPr lang="de-DE"/>
+              <a:t>Mastertextformat bearbeiten</a:t>
+            </a:r>
+          </a:p>
+        </p:txBody>
+      </p:sp>
+      <p:sp>
+        <p:nvSpPr>
+          <p:cNvPr id="4" name="Date Placeholder 3"/>
+          <p:cNvSpPr>
+            <a:spLocks noGrp="1"/>
+          </p:cNvSpPr>
+          <p:nvPr>
+            <p:ph type="dt" sz="half" idx="10"/>
+          </p:nvPr>
+        </p:nvSpPr>
+        <p:spPr>
+          <a:xfrm>
+            <a:off x="738908" y="6453386"/>
+            <a:ext cx="1622409" cy="404614"/>
+          </a:xfrm>
+        </p:spPr>
+        <p:txBody>
+          <a:bodyPr/>
+          <a:lstStyle>
+            <a:lvl1pPr>
+              <a:defRPr>
+                <a:solidFill>
+                  <a:schemeClr val="tx2"/>
+                </a:solidFill>
+              </a:defRPr>
+            </a:lvl1pPr>
+          </a:lstStyle>
+          <a:p>
+            <a:fld id="{6337795A-66C8-4B04-9297-31AE65D1A334}" type="datetimeFigureOut">
+              <a:rPr lang="en-AU" smtClean="0"/>
+              <a:t>28/04/2023</a:t>
+            </a:fld>
+            <a:endParaRPr lang="en-AU"/>
+          </a:p>
+        </p:txBody>
+      </p:sp>
+      <p:sp>
+        <p:nvSpPr>
+          <p:cNvPr id="5" name="Footer Placeholder 4"/>
+          <p:cNvSpPr>
+            <a:spLocks noGrp="1"/>
+          </p:cNvSpPr>
+          <p:nvPr>
+            <p:ph type="ftr" sz="quarter" idx="11"/>
+          </p:nvPr>
+        </p:nvSpPr>
+        <p:spPr>
+          <a:xfrm>
+            <a:off x="2584312" y="6453386"/>
+            <a:ext cx="7023377" cy="404614"/>
+          </a:xfrm>
+        </p:spPr>
+        <p:txBody>
+          <a:bodyPr/>
+          <a:lstStyle>
+            <a:lvl1pPr algn="ctr">
+              <a:defRPr>
+                <a:solidFill>
+                  <a:schemeClr val="tx2"/>
+                </a:solidFill>
+              </a:defRPr>
+            </a:lvl1pPr>
+          </a:lstStyle>
+          <a:p>
+            <a:endParaRPr lang="en-AU"/>
+          </a:p>
+        </p:txBody>
+      </p:sp>
+      <p:sp>
+        <p:nvSpPr>
+          <p:cNvPr id="6" name="Slide Number Placeholder 5"/>
+          <p:cNvSpPr>
+            <a:spLocks noGrp="1"/>
+          </p:cNvSpPr>
+          <p:nvPr>
+            <p:ph type="sldNum" sz="quarter" idx="12"/>
+          </p:nvPr>
+        </p:nvSpPr>
+        <p:spPr>
+          <a:xfrm>
+            <a:off x="9830683" y="6453386"/>
+            <a:ext cx="1596292" cy="404614"/>
+          </a:xfrm>
+        </p:spPr>
+        <p:txBody>
+          <a:bodyPr/>
+          <a:lstStyle>
+            <a:lvl1pPr>
+              <a:defRPr>
+                <a:solidFill>
+                  <a:schemeClr val="tx2"/>
+                </a:solidFill>
+              </a:defRPr>
+            </a:lvl1pPr>
+          </a:lstStyle>
+          <a:p>
+            <a:fld id="{652659A8-14FA-4684-9831-D27427F2CB72}" type="slidenum">
+              <a:rPr lang="en-AU" smtClean="0"/>
+              <a:t>‹Nr.›</a:t>
+            </a:fld>
+            <a:endParaRPr lang="en-AU"/>
+          </a:p>
+        </p:txBody>
+      </p:sp>
+      <p:sp>
+        <p:nvSpPr>
+          <p:cNvPr id="10" name="Freeform 6">
+            <a:extLst>
+              <a:ext uri="{FF2B5EF4-FFF2-40B4-BE49-F238E27FC236}">
+                <a16:creationId xmlns:a16="http://schemas.microsoft.com/office/drawing/2014/main" id="{4804554A-435B-A1DD-1555-AD7E88167250}"/>
+              </a:ext>
+            </a:extLst>
+          </p:cNvPr>
+          <p:cNvSpPr/>
+          <p:nvPr userDrawn="1"/>
+        </p:nvSpPr>
+        <p:spPr bwMode="auto">
+          <a:xfrm flipH="1" flipV="1">
+            <a:off x="752858" y="744469"/>
+            <a:ext cx="3275668" cy="4408488"/>
+          </a:xfrm>
+          <a:custGeom>
+            <a:avLst/>
+            <a:gdLst/>
+            <a:ahLst/>
+            <a:cxnLst/>
+            <a:rect l="l" t="t" r="r" b="b"/>
+            <a:pathLst>
+              <a:path w="10002" h="10000">
+                <a:moveTo>
+                  <a:pt x="8763" y="0"/>
+                </a:moveTo>
+                <a:lnTo>
+                  <a:pt x="10002" y="0"/>
+                </a:lnTo>
+                <a:lnTo>
+                  <a:pt x="10002" y="10000"/>
+                </a:lnTo>
+                <a:lnTo>
+                  <a:pt x="2" y="10000"/>
+                </a:lnTo>
+                <a:cubicBezTo>
+                  <a:pt x="-2" y="9698"/>
+                  <a:pt x="4" y="9427"/>
+                  <a:pt x="0" y="9125"/>
+                </a:cubicBezTo>
+                <a:lnTo>
+                  <a:pt x="8763" y="9128"/>
+                </a:lnTo>
+                <a:lnTo>
+                  <a:pt x="8763" y="0"/>
+                </a:lnTo>
+                <a:close/>
+              </a:path>
+            </a:pathLst>
+          </a:custGeom>
+          <a:solidFill>
+            <a:schemeClr val="accent1"/>
+          </a:solidFill>
+          <a:ln w="0">
+            <a:noFill/>
+            <a:prstDash val="solid"/>
+            <a:round/>
+            <a:headEnd/>
+            <a:tailEnd/>
+          </a:ln>
+        </p:spPr>
+      </p:sp>
+    </p:spTree>
+    <p:extLst>
+      <p:ext uri="{BB962C8B-B14F-4D97-AF65-F5344CB8AC3E}">
+        <p14:creationId xmlns:p14="http://schemas.microsoft.com/office/powerpoint/2010/main" val="619370297"/>
+      </p:ext>
+    </p:extLst>
+  </p:cSld>
+  <p:clrMapOvr>
+    <a:overrideClrMapping bg1="dk1" tx1="lt1" bg2="dk2" tx2="lt2" accent1="accent1" accent2="accent2" accent3="accent3" accent4="accent4" accent5="accent5" accent6="accent6" hlink="hlink" folHlink="folHlink"/>
+  </p:clrMapOvr>
+</p:sldLayout>
+</file>
+
+<file path=ppt/slideLayouts/slideLayout21.xml><?xml version="1.0" encoding="utf-8"?>
+<p:sldLayout xmlns:a="http://schemas.openxmlformats.org/drawingml/2006/main" xmlns:r="http://schemas.openxmlformats.org/officeDocument/2006/relationships" xmlns:p="http://schemas.openxmlformats.org/presentationml/2006/main" type="twoObj" preserve="1">
+  <p:cSld name="Zwei Inhalte">
+    <p:spTree>
+      <p:nvGrpSpPr>
+        <p:cNvPr id="1" name=""/>
+        <p:cNvGrpSpPr/>
+        <p:nvPr/>
+      </p:nvGrpSpPr>
+      <p:grpSpPr>
+        <a:xfrm>
+          <a:off x="0" y="0"/>
+          <a:ext cx="0" cy="0"/>
+          <a:chOff x="0" y="0"/>
+          <a:chExt cx="0" cy="0"/>
+        </a:xfrm>
+      </p:grpSpPr>
+      <p:sp>
+        <p:nvSpPr>
+          <p:cNvPr id="2" name="Title 1"/>
+          <p:cNvSpPr>
+            <a:spLocks noGrp="1"/>
+          </p:cNvSpPr>
+          <p:nvPr>
+            <p:ph type="title"/>
+          </p:nvPr>
+        </p:nvSpPr>
+        <p:spPr/>
+        <p:txBody>
+          <a:bodyPr/>
+          <a:lstStyle>
+            <a:lvl1pPr>
+              <a:defRPr>
+                <a:solidFill>
+                  <a:schemeClr val="tx2"/>
+                </a:solidFill>
+              </a:defRPr>
+            </a:lvl1pPr>
+          </a:lstStyle>
+          <a:p>
+            <a:r>
+              <a:rPr lang="de-DE"/>
+              <a:t>Mastertitelformat bearbeiten</a:t>
+            </a:r>
+            <a:endParaRPr lang="en-US" dirty="0"/>
+          </a:p>
+        </p:txBody>
+      </p:sp>
+      <p:sp>
+        <p:nvSpPr>
+          <p:cNvPr id="3" name="Content Placeholder 2"/>
+          <p:cNvSpPr>
+            <a:spLocks noGrp="1"/>
+          </p:cNvSpPr>
+          <p:nvPr>
+            <p:ph sz="half" idx="1"/>
+          </p:nvPr>
+        </p:nvSpPr>
+        <p:spPr>
+          <a:xfrm>
+            <a:off x="1371600" y="2285999"/>
+            <a:ext cx="4447786" cy="3581401"/>
+          </a:xfrm>
+        </p:spPr>
+        <p:txBody>
+          <a:bodyPr/>
+          <a:lstStyle>
+            <a:lvl1pPr>
+              <a:defRPr baseline="0">
+                <a:solidFill>
+                  <a:schemeClr val="tx2"/>
+                </a:solidFill>
+              </a:defRPr>
+            </a:lvl1pPr>
+            <a:lvl2pPr>
+              <a:defRPr baseline="0">
+                <a:solidFill>
+                  <a:schemeClr val="tx2"/>
+                </a:solidFill>
+              </a:defRPr>
+            </a:lvl2pPr>
+            <a:lvl3pPr>
+              <a:defRPr baseline="0">
+                <a:solidFill>
+                  <a:schemeClr val="tx2"/>
+                </a:solidFill>
+              </a:defRPr>
+            </a:lvl3pPr>
+            <a:lvl4pPr>
+              <a:defRPr baseline="0">
+                <a:solidFill>
+                  <a:schemeClr val="tx2"/>
+                </a:solidFill>
+              </a:defRPr>
+            </a:lvl4pPr>
+            <a:lvl5pPr>
+              <a:defRPr baseline="0">
+                <a:solidFill>
+                  <a:schemeClr val="tx2"/>
+                </a:solidFill>
+              </a:defRPr>
+            </a:lvl5pPr>
+          </a:lstStyle>
+          <a:p>
+            <a:pPr lvl="0"/>
+            <a:r>
+              <a:rPr lang="de-DE"/>
+              <a:t>Mastertextformat bearbeiten</a:t>
+            </a:r>
+          </a:p>
+          <a:p>
+            <a:pPr lvl="1"/>
+            <a:r>
+              <a:rPr lang="de-DE"/>
+              <a:t>Zweite Ebene</a:t>
+            </a:r>
+          </a:p>
+          <a:p>
+            <a:pPr lvl="2"/>
+            <a:r>
+              <a:rPr lang="de-DE"/>
+              <a:t>Dritte Ebene</a:t>
+            </a:r>
+          </a:p>
+          <a:p>
+            <a:pPr lvl="3"/>
+            <a:r>
+              <a:rPr lang="de-DE"/>
+              <a:t>Vierte Ebene</a:t>
+            </a:r>
+          </a:p>
+          <a:p>
+            <a:pPr lvl="4"/>
+            <a:r>
+              <a:rPr lang="de-DE"/>
+              <a:t>Fünfte Ebene</a:t>
+            </a:r>
+            <a:endParaRPr lang="en-US" dirty="0"/>
+          </a:p>
+        </p:txBody>
+      </p:sp>
+      <p:sp>
+        <p:nvSpPr>
+          <p:cNvPr id="4" name="Content Placeholder 3"/>
+          <p:cNvSpPr>
+            <a:spLocks noGrp="1"/>
+          </p:cNvSpPr>
+          <p:nvPr>
+            <p:ph sz="half" idx="2"/>
+          </p:nvPr>
+        </p:nvSpPr>
+        <p:spPr>
+          <a:xfrm>
+            <a:off x="6525403" y="2285999"/>
+            <a:ext cx="4447786" cy="3581401"/>
+          </a:xfrm>
+        </p:spPr>
+        <p:txBody>
+          <a:bodyPr/>
+          <a:lstStyle>
+            <a:lvl1pPr>
+              <a:defRPr>
+                <a:solidFill>
+                  <a:schemeClr val="tx2"/>
+                </a:solidFill>
+              </a:defRPr>
+            </a:lvl1pPr>
+            <a:lvl2pPr>
+              <a:defRPr>
+                <a:solidFill>
+                  <a:schemeClr val="tx2"/>
+                </a:solidFill>
+              </a:defRPr>
+            </a:lvl2pPr>
+            <a:lvl3pPr>
+              <a:defRPr>
+                <a:solidFill>
+                  <a:schemeClr val="tx2"/>
+                </a:solidFill>
+              </a:defRPr>
+            </a:lvl3pPr>
+            <a:lvl4pPr>
+              <a:defRPr>
+                <a:solidFill>
+                  <a:schemeClr val="tx2"/>
+                </a:solidFill>
+              </a:defRPr>
+            </a:lvl4pPr>
+            <a:lvl5pPr>
+              <a:defRPr>
+                <a:solidFill>
+                  <a:schemeClr val="tx2"/>
+                </a:solidFill>
+              </a:defRPr>
+            </a:lvl5pPr>
+          </a:lstStyle>
+          <a:p>
+            <a:pPr lvl="0"/>
+            <a:r>
+              <a:rPr lang="de-DE"/>
+              <a:t>Mastertextformat bearbeiten</a:t>
+            </a:r>
+          </a:p>
+          <a:p>
+            <a:pPr lvl="1"/>
+            <a:r>
+              <a:rPr lang="de-DE"/>
+              <a:t>Zweite Ebene</a:t>
+            </a:r>
+          </a:p>
+          <a:p>
+            <a:pPr lvl="2"/>
+            <a:r>
+              <a:rPr lang="de-DE"/>
+              <a:t>Dritte Ebene</a:t>
+            </a:r>
+          </a:p>
+          <a:p>
+            <a:pPr lvl="3"/>
+            <a:r>
+              <a:rPr lang="de-DE"/>
+              <a:t>Vierte Ebene</a:t>
+            </a:r>
+          </a:p>
+          <a:p>
+            <a:pPr lvl="4"/>
+            <a:r>
+              <a:rPr lang="de-DE"/>
+              <a:t>Fünfte Ebene</a:t>
+            </a:r>
+            <a:endParaRPr lang="en-US" dirty="0"/>
+          </a:p>
+        </p:txBody>
+      </p:sp>
+      <p:sp>
+        <p:nvSpPr>
+          <p:cNvPr id="5" name="Date Placeholder 4"/>
+          <p:cNvSpPr>
+            <a:spLocks noGrp="1"/>
+          </p:cNvSpPr>
+          <p:nvPr>
+            <p:ph type="dt" sz="half" idx="10"/>
+          </p:nvPr>
+        </p:nvSpPr>
+        <p:spPr/>
+        <p:txBody>
+          <a:bodyPr/>
+          <a:lstStyle/>
+          <a:p>
+            <a:fld id="{6337795A-66C8-4B04-9297-31AE65D1A334}" type="datetimeFigureOut">
+              <a:rPr lang="en-AU" smtClean="0"/>
+              <a:t>28/04/2023</a:t>
+            </a:fld>
+            <a:endParaRPr lang="en-AU"/>
+          </a:p>
+        </p:txBody>
+      </p:sp>
+      <p:sp>
+        <p:nvSpPr>
+          <p:cNvPr id="6" name="Footer Placeholder 5"/>
+          <p:cNvSpPr>
+            <a:spLocks noGrp="1"/>
+          </p:cNvSpPr>
+          <p:nvPr>
+            <p:ph type="ftr" sz="quarter" idx="11"/>
+          </p:nvPr>
+        </p:nvSpPr>
+        <p:spPr/>
+        <p:txBody>
+          <a:bodyPr/>
+          <a:lstStyle/>
+          <a:p>
+            <a:endParaRPr lang="en-AU"/>
+          </a:p>
+        </p:txBody>
+      </p:sp>
+      <p:sp>
+        <p:nvSpPr>
+          <p:cNvPr id="7" name="Slide Number Placeholder 6"/>
+          <p:cNvSpPr>
+            <a:spLocks noGrp="1"/>
+          </p:cNvSpPr>
+          <p:nvPr>
+            <p:ph type="sldNum" sz="quarter" idx="12"/>
+          </p:nvPr>
+        </p:nvSpPr>
+        <p:spPr/>
+        <p:txBody>
+          <a:bodyPr/>
+          <a:lstStyle/>
+          <a:p>
+            <a:fld id="{652659A8-14FA-4684-9831-D27427F2CB72}" type="slidenum">
+              <a:rPr lang="en-AU" smtClean="0"/>
+              <a:t>‹Nr.›</a:t>
+            </a:fld>
+            <a:endParaRPr lang="en-AU"/>
+          </a:p>
+        </p:txBody>
+      </p:sp>
+    </p:spTree>
+    <p:extLst>
+      <p:ext uri="{BB962C8B-B14F-4D97-AF65-F5344CB8AC3E}">
+        <p14:creationId xmlns:p14="http://schemas.microsoft.com/office/powerpoint/2010/main" val="942591277"/>
+      </p:ext>
+    </p:extLst>
+  </p:cSld>
+  <p:clrMapOvr>
+    <a:masterClrMapping/>
+  </p:clrMapOvr>
+</p:sldLayout>
+</file>
+
+<file path=ppt/slideLayouts/slideLayout22.xml><?xml version="1.0" encoding="utf-8"?>
+<p:sldLayout xmlns:a="http://schemas.openxmlformats.org/drawingml/2006/main" xmlns:r="http://schemas.openxmlformats.org/officeDocument/2006/relationships" xmlns:p="http://schemas.openxmlformats.org/presentationml/2006/main" type="twoTxTwoObj" preserve="1">
+  <p:cSld name="Vergleich">
+    <p:spTree>
+      <p:nvGrpSpPr>
+        <p:cNvPr id="1" name=""/>
+        <p:cNvGrpSpPr/>
+        <p:nvPr/>
+      </p:nvGrpSpPr>
+      <p:grpSpPr>
+        <a:xfrm>
+          <a:off x="0" y="0"/>
+          <a:ext cx="0" cy="0"/>
+          <a:chOff x="0" y="0"/>
+          <a:chExt cx="0" cy="0"/>
+        </a:xfrm>
+      </p:grpSpPr>
+      <p:sp>
+        <p:nvSpPr>
+          <p:cNvPr id="2" name="Title 1"/>
+          <p:cNvSpPr>
+            <a:spLocks noGrp="1"/>
+          </p:cNvSpPr>
+          <p:nvPr>
+            <p:ph type="title"/>
+          </p:nvPr>
+        </p:nvSpPr>
+        <p:spPr>
+          <a:xfrm>
+            <a:off x="1371600" y="685800"/>
+            <a:ext cx="9601200" cy="1485900"/>
+          </a:xfrm>
+        </p:spPr>
+        <p:txBody>
+          <a:bodyPr/>
+          <a:lstStyle>
+            <a:lvl1pPr>
+              <a:defRPr>
+                <a:solidFill>
+                  <a:schemeClr val="tx2"/>
+                </a:solidFill>
+              </a:defRPr>
+            </a:lvl1pPr>
+          </a:lstStyle>
+          <a:p>
+            <a:r>
+              <a:rPr lang="de-DE"/>
+              <a:t>Mastertitelformat bearbeiten</a:t>
+            </a:r>
+            <a:endParaRPr lang="en-US" dirty="0"/>
+          </a:p>
+        </p:txBody>
+      </p:sp>
+      <p:sp>
+        <p:nvSpPr>
+          <p:cNvPr id="3" name="Text Placeholder 2"/>
+          <p:cNvSpPr>
+            <a:spLocks noGrp="1"/>
+          </p:cNvSpPr>
+          <p:nvPr>
+            <p:ph type="body" idx="1"/>
+          </p:nvPr>
+        </p:nvSpPr>
+        <p:spPr>
+          <a:xfrm>
+            <a:off x="1371600" y="2340864"/>
+            <a:ext cx="4443984" cy="823912"/>
+          </a:xfrm>
+        </p:spPr>
+        <p:txBody>
+          <a:bodyPr anchor="b">
+            <a:noAutofit/>
+          </a:bodyPr>
+          <a:lstStyle>
+            <a:lvl1pPr marL="0" indent="0">
+              <a:lnSpc>
+                <a:spcPct val="84000"/>
+              </a:lnSpc>
+              <a:spcBef>
+                <a:spcPts val="0"/>
+              </a:spcBef>
+              <a:spcAft>
+                <a:spcPts val="0"/>
+              </a:spcAft>
+              <a:buNone/>
+              <a:defRPr sz="3000" b="0" baseline="0">
+                <a:solidFill>
+                  <a:schemeClr val="tx2"/>
+                </a:solidFill>
+              </a:defRPr>
+            </a:lvl1pPr>
+            <a:lvl2pPr marL="457200" indent="0">
+              <a:buNone/>
+              <a:defRPr sz="2000" b="1"/>
+            </a:lvl2pPr>
+            <a:lvl3pPr marL="914400" indent="0">
+              <a:buNone/>
+              <a:defRPr sz="1800" b="1"/>
+            </a:lvl3pPr>
+            <a:lvl4pPr marL="1371600" indent="0">
+              <a:buNone/>
+              <a:defRPr sz="1600" b="1"/>
+            </a:lvl4pPr>
+            <a:lvl5pPr marL="1828800" indent="0">
+              <a:buNone/>
+              <a:defRPr sz="1600" b="1"/>
+            </a:lvl5pPr>
+            <a:lvl6pPr marL="2286000" indent="0">
+              <a:buNone/>
+              <a:defRPr sz="1600" b="1"/>
+            </a:lvl6pPr>
+            <a:lvl7pPr marL="2743200" indent="0">
+              <a:buNone/>
+              <a:defRPr sz="1600" b="1"/>
+            </a:lvl7pPr>
+            <a:lvl8pPr marL="3200400" indent="0">
+              <a:buNone/>
+              <a:defRPr sz="1600" b="1"/>
+            </a:lvl8pPr>
+            <a:lvl9pPr marL="3657600" indent="0">
+              <a:buNone/>
+              <a:defRPr sz="1600" b="1"/>
+            </a:lvl9pPr>
+          </a:lstStyle>
+          <a:p>
+            <a:pPr lvl="0"/>
+            <a:r>
+              <a:rPr lang="de-DE"/>
+              <a:t>Mastertextformat bearbeiten</a:t>
+            </a:r>
+          </a:p>
+        </p:txBody>
+      </p:sp>
+      <p:sp>
+        <p:nvSpPr>
+          <p:cNvPr id="4" name="Content Placeholder 3"/>
+          <p:cNvSpPr>
+            <a:spLocks noGrp="1"/>
+          </p:cNvSpPr>
+          <p:nvPr>
+            <p:ph sz="half" idx="2"/>
+          </p:nvPr>
+        </p:nvSpPr>
+        <p:spPr>
+          <a:xfrm>
+            <a:off x="1371600" y="3305207"/>
+            <a:ext cx="4443984" cy="2562193"/>
+          </a:xfrm>
+        </p:spPr>
+        <p:txBody>
+          <a:bodyPr/>
+          <a:lstStyle>
+            <a:lvl1pPr>
+              <a:defRPr baseline="0">
+                <a:solidFill>
+                  <a:schemeClr val="tx2"/>
+                </a:solidFill>
+              </a:defRPr>
+            </a:lvl1pPr>
+            <a:lvl2pPr>
+              <a:defRPr baseline="0">
+                <a:solidFill>
+                  <a:schemeClr val="tx2"/>
+                </a:solidFill>
+              </a:defRPr>
+            </a:lvl2pPr>
+            <a:lvl3pPr>
+              <a:defRPr baseline="0">
+                <a:solidFill>
+                  <a:schemeClr val="tx2"/>
+                </a:solidFill>
+              </a:defRPr>
+            </a:lvl3pPr>
+            <a:lvl4pPr>
+              <a:defRPr baseline="0">
+                <a:solidFill>
+                  <a:schemeClr val="tx2"/>
+                </a:solidFill>
+              </a:defRPr>
+            </a:lvl4pPr>
+            <a:lvl5pPr>
+              <a:defRPr baseline="0">
+                <a:solidFill>
+                  <a:schemeClr val="tx2"/>
+                </a:solidFill>
+              </a:defRPr>
+            </a:lvl5pPr>
+          </a:lstStyle>
+          <a:p>
+            <a:pPr lvl="0"/>
+            <a:r>
+              <a:rPr lang="de-DE"/>
+              <a:t>Mastertextformat bearbeiten</a:t>
+            </a:r>
+          </a:p>
+          <a:p>
+            <a:pPr lvl="1"/>
+            <a:r>
+              <a:rPr lang="de-DE"/>
+              <a:t>Zweite Ebene</a:t>
+            </a:r>
+          </a:p>
+          <a:p>
+            <a:pPr lvl="2"/>
+            <a:r>
+              <a:rPr lang="de-DE"/>
+              <a:t>Dritte Ebene</a:t>
+            </a:r>
+          </a:p>
+          <a:p>
+            <a:pPr lvl="3"/>
+            <a:r>
+              <a:rPr lang="de-DE"/>
+              <a:t>Vierte Ebene</a:t>
+            </a:r>
+          </a:p>
+          <a:p>
+            <a:pPr lvl="4"/>
+            <a:r>
+              <a:rPr lang="de-DE"/>
+              <a:t>Fünfte Ebene</a:t>
+            </a:r>
+            <a:endParaRPr lang="en-US" dirty="0"/>
+          </a:p>
+        </p:txBody>
+      </p:sp>
+      <p:sp>
+        <p:nvSpPr>
+          <p:cNvPr id="5" name="Text Placeholder 4"/>
+          <p:cNvSpPr>
+            <a:spLocks noGrp="1"/>
+          </p:cNvSpPr>
+          <p:nvPr>
+            <p:ph type="body" sz="quarter" idx="3"/>
+          </p:nvPr>
+        </p:nvSpPr>
+        <p:spPr>
+          <a:xfrm>
+            <a:off x="6525014" y="2340864"/>
+            <a:ext cx="4443984" cy="823912"/>
+          </a:xfrm>
+        </p:spPr>
+        <p:txBody>
+          <a:bodyPr anchor="b">
+            <a:noAutofit/>
+          </a:bodyPr>
+          <a:lstStyle>
+            <a:lvl1pPr marL="0" indent="0">
+              <a:lnSpc>
+                <a:spcPct val="84000"/>
+              </a:lnSpc>
+              <a:spcBef>
+                <a:spcPts val="0"/>
+              </a:spcBef>
+              <a:spcAft>
+                <a:spcPts val="0"/>
+              </a:spcAft>
+              <a:buNone/>
+              <a:defRPr sz="3000" b="0" baseline="0">
+                <a:solidFill>
+                  <a:schemeClr val="tx2"/>
+                </a:solidFill>
+              </a:defRPr>
+            </a:lvl1pPr>
+            <a:lvl2pPr marL="457200" indent="0">
+              <a:buNone/>
+              <a:defRPr sz="2000" b="1"/>
+            </a:lvl2pPr>
+            <a:lvl3pPr marL="914400" indent="0">
+              <a:buNone/>
+              <a:defRPr sz="1800" b="1"/>
+            </a:lvl3pPr>
+            <a:lvl4pPr marL="1371600" indent="0">
+              <a:buNone/>
+              <a:defRPr sz="1600" b="1"/>
+            </a:lvl4pPr>
+            <a:lvl5pPr marL="1828800" indent="0">
+              <a:buNone/>
+              <a:defRPr sz="1600" b="1"/>
+            </a:lvl5pPr>
+            <a:lvl6pPr marL="2286000" indent="0">
+              <a:buNone/>
+              <a:defRPr sz="1600" b="1"/>
+            </a:lvl6pPr>
+            <a:lvl7pPr marL="2743200" indent="0">
+              <a:buNone/>
+              <a:defRPr sz="1600" b="1"/>
+            </a:lvl7pPr>
+            <a:lvl8pPr marL="3200400" indent="0">
+              <a:buNone/>
+              <a:defRPr sz="1600" b="1"/>
+            </a:lvl8pPr>
+            <a:lvl9pPr marL="3657600" indent="0">
+              <a:buNone/>
+              <a:defRPr sz="1600" b="1"/>
+            </a:lvl9pPr>
+          </a:lstStyle>
+          <a:p>
+            <a:pPr lvl="0"/>
+            <a:r>
+              <a:rPr lang="de-DE"/>
+              <a:t>Mastertextformat bearbeiten</a:t>
+            </a:r>
+          </a:p>
+        </p:txBody>
+      </p:sp>
+      <p:sp>
+        <p:nvSpPr>
+          <p:cNvPr id="6" name="Content Placeholder 5"/>
+          <p:cNvSpPr>
+            <a:spLocks noGrp="1"/>
+          </p:cNvSpPr>
+          <p:nvPr>
+            <p:ph sz="quarter" idx="4"/>
+          </p:nvPr>
+        </p:nvSpPr>
+        <p:spPr>
+          <a:xfrm>
+            <a:off x="6525014" y="3305207"/>
+            <a:ext cx="4443984" cy="2562193"/>
+          </a:xfrm>
+        </p:spPr>
+        <p:txBody>
+          <a:bodyPr/>
+          <a:lstStyle>
+            <a:lvl1pPr>
+              <a:defRPr baseline="0">
+                <a:solidFill>
+                  <a:schemeClr val="tx2"/>
+                </a:solidFill>
+              </a:defRPr>
+            </a:lvl1pPr>
+            <a:lvl2pPr>
+              <a:defRPr baseline="0">
+                <a:solidFill>
+                  <a:schemeClr val="tx2"/>
+                </a:solidFill>
+              </a:defRPr>
+            </a:lvl2pPr>
+            <a:lvl3pPr>
+              <a:defRPr baseline="0">
+                <a:solidFill>
+                  <a:schemeClr val="tx2"/>
+                </a:solidFill>
+              </a:defRPr>
+            </a:lvl3pPr>
+            <a:lvl4pPr>
+              <a:defRPr baseline="0">
+                <a:solidFill>
+                  <a:schemeClr val="tx2"/>
+                </a:solidFill>
+              </a:defRPr>
+            </a:lvl4pPr>
+            <a:lvl5pPr>
+              <a:defRPr baseline="0">
+                <a:solidFill>
+                  <a:schemeClr val="tx2"/>
+                </a:solidFill>
+              </a:defRPr>
+            </a:lvl5pPr>
+          </a:lstStyle>
+          <a:p>
+            <a:pPr lvl="0"/>
+            <a:r>
+              <a:rPr lang="de-DE"/>
+              <a:t>Mastertextformat bearbeiten</a:t>
+            </a:r>
+          </a:p>
+          <a:p>
+            <a:pPr lvl="1"/>
+            <a:r>
+              <a:rPr lang="de-DE"/>
+              <a:t>Zweite Ebene</a:t>
+            </a:r>
+          </a:p>
+          <a:p>
+            <a:pPr lvl="2"/>
+            <a:r>
+              <a:rPr lang="de-DE"/>
+              <a:t>Dritte Ebene</a:t>
+            </a:r>
+          </a:p>
+          <a:p>
+            <a:pPr lvl="3"/>
+            <a:r>
+              <a:rPr lang="de-DE"/>
+              <a:t>Vierte Ebene</a:t>
+            </a:r>
+          </a:p>
+          <a:p>
+            <a:pPr lvl="4"/>
+            <a:r>
+              <a:rPr lang="de-DE"/>
+              <a:t>Fünfte Ebene</a:t>
+            </a:r>
+            <a:endParaRPr lang="en-US" dirty="0"/>
+          </a:p>
+        </p:txBody>
+      </p:sp>
+      <p:sp>
+        <p:nvSpPr>
+          <p:cNvPr id="7" name="Date Placeholder 6"/>
+          <p:cNvSpPr>
+            <a:spLocks noGrp="1"/>
+          </p:cNvSpPr>
+          <p:nvPr>
+            <p:ph type="dt" sz="half" idx="10"/>
+          </p:nvPr>
+        </p:nvSpPr>
+        <p:spPr/>
+        <p:txBody>
+          <a:bodyPr/>
+          <a:lstStyle/>
+          <a:p>
+            <a:fld id="{6337795A-66C8-4B04-9297-31AE65D1A334}" type="datetimeFigureOut">
+              <a:rPr lang="en-AU" smtClean="0"/>
+              <a:t>28/04/2023</a:t>
+            </a:fld>
+            <a:endParaRPr lang="en-AU"/>
+          </a:p>
+        </p:txBody>
+      </p:sp>
+      <p:sp>
+        <p:nvSpPr>
+          <p:cNvPr id="8" name="Footer Placeholder 7"/>
+          <p:cNvSpPr>
+            <a:spLocks noGrp="1"/>
+          </p:cNvSpPr>
+          <p:nvPr>
+            <p:ph type="ftr" sz="quarter" idx="11"/>
+          </p:nvPr>
+        </p:nvSpPr>
+        <p:spPr/>
+        <p:txBody>
+          <a:bodyPr/>
+          <a:lstStyle/>
+          <a:p>
+            <a:endParaRPr lang="en-AU"/>
+          </a:p>
+        </p:txBody>
+      </p:sp>
+      <p:sp>
+        <p:nvSpPr>
+          <p:cNvPr id="9" name="Slide Number Placeholder 8"/>
+          <p:cNvSpPr>
+            <a:spLocks noGrp="1"/>
+          </p:cNvSpPr>
+          <p:nvPr>
+            <p:ph type="sldNum" sz="quarter" idx="12"/>
+          </p:nvPr>
+        </p:nvSpPr>
+        <p:spPr/>
+        <p:txBody>
+          <a:bodyPr/>
+          <a:lstStyle/>
+          <a:p>
+            <a:fld id="{652659A8-14FA-4684-9831-D27427F2CB72}" type="slidenum">
+              <a:rPr lang="en-AU" smtClean="0"/>
+              <a:t>‹Nr.›</a:t>
+            </a:fld>
+            <a:endParaRPr lang="en-AU"/>
+          </a:p>
+        </p:txBody>
+      </p:sp>
+    </p:spTree>
+    <p:extLst>
+      <p:ext uri="{BB962C8B-B14F-4D97-AF65-F5344CB8AC3E}">
+        <p14:creationId xmlns:p14="http://schemas.microsoft.com/office/powerpoint/2010/main" val="1473595301"/>
+      </p:ext>
+    </p:extLst>
+  </p:cSld>
+  <p:clrMapOvr>
+    <a:masterClrMapping/>
+  </p:clrMapOvr>
+</p:sldLayout>
+</file>
+
+<file path=ppt/slideLayouts/slideLayout23.xml><?xml version="1.0" encoding="utf-8"?>
+<p:sldLayout xmlns:a="http://schemas.openxmlformats.org/drawingml/2006/main" xmlns:r="http://schemas.openxmlformats.org/officeDocument/2006/relationships" xmlns:p="http://schemas.openxmlformats.org/presentationml/2006/main" type="titleOnly" preserve="1">
+  <p:cSld name="Nur Titel">
+    <p:spTree>
+      <p:nvGrpSpPr>
+        <p:cNvPr id="1" name=""/>
+        <p:cNvGrpSpPr/>
+        <p:nvPr/>
+      </p:nvGrpSpPr>
+      <p:grpSpPr>
+        <a:xfrm>
+          <a:off x="0" y="0"/>
+          <a:ext cx="0" cy="0"/>
+          <a:chOff x="0" y="0"/>
+          <a:chExt cx="0" cy="0"/>
+        </a:xfrm>
+      </p:grpSpPr>
+      <p:sp>
+        <p:nvSpPr>
+          <p:cNvPr id="2" name="Title 1"/>
+          <p:cNvSpPr>
+            <a:spLocks noGrp="1"/>
+          </p:cNvSpPr>
+          <p:nvPr>
+            <p:ph type="title"/>
+          </p:nvPr>
+        </p:nvSpPr>
+        <p:spPr/>
+        <p:txBody>
+          <a:bodyPr/>
+          <a:lstStyle/>
+          <a:p>
+            <a:r>
+              <a:rPr lang="de-DE"/>
+              <a:t>Mastertitelformat bearbeiten</a:t>
+            </a:r>
+            <a:endParaRPr lang="en-US" dirty="0"/>
+          </a:p>
+        </p:txBody>
+      </p:sp>
+      <p:sp>
+        <p:nvSpPr>
+          <p:cNvPr id="3" name="Date Placeholder 2"/>
+          <p:cNvSpPr>
+            <a:spLocks noGrp="1"/>
+          </p:cNvSpPr>
+          <p:nvPr>
+            <p:ph type="dt" sz="half" idx="10"/>
+          </p:nvPr>
+        </p:nvSpPr>
+        <p:spPr/>
+        <p:txBody>
+          <a:bodyPr/>
+          <a:lstStyle/>
+          <a:p>
+            <a:fld id="{6337795A-66C8-4B04-9297-31AE65D1A334}" type="datetimeFigureOut">
+              <a:rPr lang="en-AU" smtClean="0"/>
+              <a:t>28/04/2023</a:t>
+            </a:fld>
+            <a:endParaRPr lang="en-AU"/>
+          </a:p>
+        </p:txBody>
+      </p:sp>
+      <p:sp>
+        <p:nvSpPr>
+          <p:cNvPr id="4" name="Footer Placeholder 3"/>
+          <p:cNvSpPr>
+            <a:spLocks noGrp="1"/>
+          </p:cNvSpPr>
+          <p:nvPr>
+            <p:ph type="ftr" sz="quarter" idx="11"/>
+          </p:nvPr>
+        </p:nvSpPr>
+        <p:spPr/>
+        <p:txBody>
+          <a:bodyPr/>
+          <a:lstStyle/>
+          <a:p>
+            <a:endParaRPr lang="en-AU"/>
+          </a:p>
+        </p:txBody>
+      </p:sp>
+      <p:sp>
+        <p:nvSpPr>
+          <p:cNvPr id="5" name="Slide Number Placeholder 4"/>
+          <p:cNvSpPr>
+            <a:spLocks noGrp="1"/>
+          </p:cNvSpPr>
+          <p:nvPr>
+            <p:ph type="sldNum" sz="quarter" idx="12"/>
+          </p:nvPr>
+        </p:nvSpPr>
+        <p:spPr/>
+        <p:txBody>
+          <a:bodyPr/>
+          <a:lstStyle/>
+          <a:p>
+            <a:fld id="{652659A8-14FA-4684-9831-D27427F2CB72}" type="slidenum">
+              <a:rPr lang="en-AU" smtClean="0"/>
+              <a:t>‹Nr.›</a:t>
+            </a:fld>
+            <a:endParaRPr lang="en-AU"/>
+          </a:p>
+        </p:txBody>
+      </p:sp>
+    </p:spTree>
+    <p:extLst>
+      <p:ext uri="{BB962C8B-B14F-4D97-AF65-F5344CB8AC3E}">
+        <p14:creationId xmlns:p14="http://schemas.microsoft.com/office/powerpoint/2010/main" val="3808687231"/>
+      </p:ext>
+    </p:extLst>
+  </p:cSld>
+  <p:clrMapOvr>
+    <a:masterClrMapping/>
+  </p:clrMapOvr>
+</p:sldLayout>
+</file>
+
+<file path=ppt/slideLayouts/slideLayout24.xml><?xml version="1.0" encoding="utf-8"?>
+<p:sldLayout xmlns:a="http://schemas.openxmlformats.org/drawingml/2006/main" xmlns:r="http://schemas.openxmlformats.org/officeDocument/2006/relationships" xmlns:p="http://schemas.openxmlformats.org/presentationml/2006/main" type="blank" preserve="1">
+  <p:cSld name="Leer">
+    <p:spTree>
+      <p:nvGrpSpPr>
+        <p:cNvPr id="1" name=""/>
+        <p:cNvGrpSpPr/>
+        <p:nvPr/>
+      </p:nvGrpSpPr>
+      <p:grpSpPr>
+        <a:xfrm>
+          <a:off x="0" y="0"/>
+          <a:ext cx="0" cy="0"/>
+          <a:chOff x="0" y="0"/>
+          <a:chExt cx="0" cy="0"/>
+        </a:xfrm>
+      </p:grpSpPr>
+      <p:sp>
+        <p:nvSpPr>
+          <p:cNvPr id="2" name="Date Placeholder 1"/>
+          <p:cNvSpPr>
+            <a:spLocks noGrp="1"/>
+          </p:cNvSpPr>
+          <p:nvPr>
+            <p:ph type="dt" sz="half" idx="10"/>
+          </p:nvPr>
+        </p:nvSpPr>
+        <p:spPr/>
+        <p:txBody>
+          <a:bodyPr/>
+          <a:lstStyle/>
+          <a:p>
+            <a:fld id="{6337795A-66C8-4B04-9297-31AE65D1A334}" type="datetimeFigureOut">
+              <a:rPr lang="en-AU" smtClean="0"/>
+              <a:t>28/04/2023</a:t>
+            </a:fld>
+            <a:endParaRPr lang="en-AU"/>
+          </a:p>
+        </p:txBody>
+      </p:sp>
+      <p:sp>
+        <p:nvSpPr>
+          <p:cNvPr id="3" name="Footer Placeholder 2"/>
+          <p:cNvSpPr>
+            <a:spLocks noGrp="1"/>
+          </p:cNvSpPr>
+          <p:nvPr>
+            <p:ph type="ftr" sz="quarter" idx="11"/>
+          </p:nvPr>
+        </p:nvSpPr>
+        <p:spPr/>
+        <p:txBody>
+          <a:bodyPr/>
+          <a:lstStyle/>
+          <a:p>
+            <a:endParaRPr lang="en-AU"/>
+          </a:p>
+        </p:txBody>
+      </p:sp>
+      <p:sp>
+        <p:nvSpPr>
+          <p:cNvPr id="4" name="Slide Number Placeholder 3"/>
+          <p:cNvSpPr>
+            <a:spLocks noGrp="1"/>
+          </p:cNvSpPr>
+          <p:nvPr>
+            <p:ph type="sldNum" sz="quarter" idx="12"/>
+          </p:nvPr>
+        </p:nvSpPr>
+        <p:spPr/>
+        <p:txBody>
+          <a:bodyPr/>
+          <a:lstStyle/>
+          <a:p>
+            <a:fld id="{652659A8-14FA-4684-9831-D27427F2CB72}" type="slidenum">
+              <a:rPr lang="en-AU" smtClean="0"/>
+              <a:t>‹Nr.›</a:t>
+            </a:fld>
+            <a:endParaRPr lang="en-AU"/>
+          </a:p>
+        </p:txBody>
+      </p:sp>
+    </p:spTree>
+    <p:extLst>
+      <p:ext uri="{BB962C8B-B14F-4D97-AF65-F5344CB8AC3E}">
+        <p14:creationId xmlns:p14="http://schemas.microsoft.com/office/powerpoint/2010/main" val="3998351842"/>
+      </p:ext>
+    </p:extLst>
+  </p:cSld>
+  <p:clrMapOvr>
+    <a:masterClrMapping/>
+  </p:clrMapOvr>
+</p:sldLayout>
+</file>
+
+<file path=ppt/slideLayouts/slideLayout25.xml><?xml version="1.0" encoding="utf-8"?>
+<p:sldLayout xmlns:a="http://schemas.openxmlformats.org/drawingml/2006/main" xmlns:r="http://schemas.openxmlformats.org/officeDocument/2006/relationships" xmlns:p="http://schemas.openxmlformats.org/presentationml/2006/main" showMasterSp="0" type="objTx" preserve="1">
+  <p:cSld name="Inhalt mit Überschrift">
+    <p:spTree>
+      <p:nvGrpSpPr>
+        <p:cNvPr id="1" name=""/>
+        <p:cNvGrpSpPr/>
+        <p:nvPr/>
+      </p:nvGrpSpPr>
+      <p:grpSpPr>
+        <a:xfrm>
+          <a:off x="0" y="0"/>
+          <a:ext cx="0" cy="0"/>
+          <a:chOff x="0" y="0"/>
+          <a:chExt cx="0" cy="0"/>
+        </a:xfrm>
+      </p:grpSpPr>
+      <p:sp>
+        <p:nvSpPr>
+          <p:cNvPr id="8" name="Rectangle 7" title="Background Shape"/>
+          <p:cNvSpPr/>
+          <p:nvPr/>
+        </p:nvSpPr>
+        <p:spPr>
+          <a:xfrm>
+            <a:off x="0" y="376"/>
+            <a:ext cx="5303520" cy="6857624"/>
+          </a:xfrm>
+          <a:prstGeom prst="rect">
+            <a:avLst/>
+          </a:prstGeom>
+          <a:solidFill>
+            <a:schemeClr val="accent1"/>
+          </a:solidFill>
+          <a:ln>
+            <a:noFill/>
+          </a:ln>
+        </p:spPr>
+        <p:style>
+          <a:lnRef idx="2">
+            <a:schemeClr val="accent1">
+              <a:shade val="50000"/>
+            </a:schemeClr>
+          </a:lnRef>
+          <a:fillRef idx="1">
+            <a:schemeClr val="accent1"/>
+          </a:fillRef>
+          <a:effectRef idx="0">
+            <a:schemeClr val="accent1"/>
+          </a:effectRef>
+          <a:fontRef idx="minor">
+            <a:schemeClr val="lt1"/>
+          </a:fontRef>
+        </p:style>
+      </p:sp>
+      <p:sp>
+        <p:nvSpPr>
+          <p:cNvPr id="2" name="Title 1"/>
+          <p:cNvSpPr>
+            <a:spLocks noGrp="1"/>
+          </p:cNvSpPr>
+          <p:nvPr>
+            <p:ph type="title"/>
+          </p:nvPr>
+        </p:nvSpPr>
+        <p:spPr>
+          <a:xfrm>
+            <a:off x="723900" y="685800"/>
+            <a:ext cx="3855720" cy="2157884"/>
+          </a:xfrm>
+        </p:spPr>
+        <p:txBody>
+          <a:bodyPr anchor="t">
+            <a:noAutofit/>
+          </a:bodyPr>
+          <a:lstStyle>
+            <a:lvl1pPr>
+              <a:lnSpc>
+                <a:spcPct val="84000"/>
+              </a:lnSpc>
+              <a:defRPr sz="4800" baseline="0">
+                <a:solidFill>
+                  <a:schemeClr val="tx2"/>
+                </a:solidFill>
+              </a:defRPr>
+            </a:lvl1pPr>
+          </a:lstStyle>
+          <a:p>
+            <a:r>
+              <a:rPr lang="de-DE"/>
+              <a:t>Mastertitelformat bearbeiten</a:t>
+            </a:r>
+            <a:endParaRPr lang="en-US" dirty="0"/>
+          </a:p>
+        </p:txBody>
+      </p:sp>
+      <p:sp>
+        <p:nvSpPr>
+          <p:cNvPr id="3" name="Content Placeholder 2"/>
+          <p:cNvSpPr>
+            <a:spLocks noGrp="1"/>
+          </p:cNvSpPr>
+          <p:nvPr>
+            <p:ph idx="1"/>
+          </p:nvPr>
+        </p:nvSpPr>
+        <p:spPr>
+          <a:xfrm>
+            <a:off x="6256020" y="685801"/>
+            <a:ext cx="5212080" cy="5175250"/>
+          </a:xfrm>
+        </p:spPr>
+        <p:txBody>
+          <a:bodyPr/>
+          <a:lstStyle>
+            <a:lvl1pPr>
+              <a:defRPr sz="2000"/>
+            </a:lvl1pPr>
+            <a:lvl2pPr>
+              <a:defRPr sz="2000"/>
+            </a:lvl2pPr>
+            <a:lvl3pPr>
+              <a:defRPr sz="1800"/>
+            </a:lvl3pPr>
+            <a:lvl4pPr>
+              <a:defRPr sz="1800"/>
+            </a:lvl4pPr>
+            <a:lvl5pPr>
+              <a:defRPr sz="1600"/>
+            </a:lvl5pPr>
+            <a:lvl6pPr>
+              <a:defRPr sz="1600"/>
+            </a:lvl6pPr>
+            <a:lvl7pPr>
+              <a:defRPr sz="1600"/>
+            </a:lvl7pPr>
+            <a:lvl8pPr>
+              <a:defRPr sz="1600"/>
+            </a:lvl8pPr>
+            <a:lvl9pPr>
+              <a:defRPr sz="1600"/>
+            </a:lvl9pPr>
+          </a:lstStyle>
+          <a:p>
+            <a:pPr lvl="0"/>
+            <a:r>
+              <a:rPr lang="de-DE"/>
+              <a:t>Mastertextformat bearbeiten</a:t>
+            </a:r>
+          </a:p>
+          <a:p>
+            <a:pPr lvl="1"/>
+            <a:r>
+              <a:rPr lang="de-DE"/>
+              <a:t>Zweite Ebene</a:t>
+            </a:r>
+          </a:p>
+          <a:p>
+            <a:pPr lvl="2"/>
+            <a:r>
+              <a:rPr lang="de-DE"/>
+              <a:t>Dritte Ebene</a:t>
+            </a:r>
+          </a:p>
+          <a:p>
+            <a:pPr lvl="3"/>
+            <a:r>
+              <a:rPr lang="de-DE"/>
+              <a:t>Vierte Ebene</a:t>
+            </a:r>
+          </a:p>
+          <a:p>
+            <a:pPr lvl="4"/>
+            <a:r>
+              <a:rPr lang="de-DE"/>
+              <a:t>Fünfte Ebene</a:t>
+            </a:r>
+            <a:endParaRPr lang="en-US" dirty="0"/>
+          </a:p>
+        </p:txBody>
+      </p:sp>
+      <p:sp>
+        <p:nvSpPr>
+          <p:cNvPr id="4" name="Text Placeholder 3"/>
+          <p:cNvSpPr>
+            <a:spLocks noGrp="1"/>
+          </p:cNvSpPr>
+          <p:nvPr>
+            <p:ph type="body" sz="half" idx="2"/>
+          </p:nvPr>
+        </p:nvSpPr>
+        <p:spPr>
+          <a:xfrm>
+            <a:off x="723900" y="2856344"/>
+            <a:ext cx="3855720" cy="3011056"/>
+          </a:xfrm>
+        </p:spPr>
+        <p:txBody>
+          <a:bodyPr/>
+          <a:lstStyle>
+            <a:lvl1pPr marL="0" indent="0">
+              <a:lnSpc>
+                <a:spcPct val="113000"/>
+              </a:lnSpc>
+              <a:spcBef>
+                <a:spcPts val="0"/>
+              </a:spcBef>
+              <a:spcAft>
+                <a:spcPts val="1500"/>
+              </a:spcAft>
+              <a:buNone/>
+              <a:defRPr sz="1600"/>
+            </a:lvl1pPr>
+            <a:lvl2pPr marL="457200" indent="0">
+              <a:buNone/>
+              <a:defRPr sz="1400"/>
+            </a:lvl2pPr>
+            <a:lvl3pPr marL="914400" indent="0">
+              <a:buNone/>
+              <a:defRPr sz="1200"/>
+            </a:lvl3pPr>
+            <a:lvl4pPr marL="1371600" indent="0">
+              <a:buNone/>
+              <a:defRPr sz="1000"/>
+            </a:lvl4pPr>
+            <a:lvl5pPr marL="1828800" indent="0">
+              <a:buNone/>
+              <a:defRPr sz="1000"/>
+            </a:lvl5pPr>
+            <a:lvl6pPr marL="2286000" indent="0">
+              <a:buNone/>
+              <a:defRPr sz="1000"/>
+            </a:lvl6pPr>
+            <a:lvl7pPr marL="2743200" indent="0">
+              <a:buNone/>
+              <a:defRPr sz="1000"/>
+            </a:lvl7pPr>
+            <a:lvl8pPr marL="3200400" indent="0">
+              <a:buNone/>
+              <a:defRPr sz="1000"/>
+            </a:lvl8pPr>
+            <a:lvl9pPr marL="3657600" indent="0">
+              <a:buNone/>
+              <a:defRPr sz="1000"/>
+            </a:lvl9pPr>
+          </a:lstStyle>
+          <a:p>
+            <a:pPr lvl="0"/>
+            <a:r>
+              <a:rPr lang="de-DE"/>
+              <a:t>Mastertextformat bearbeiten</a:t>
+            </a:r>
+          </a:p>
+        </p:txBody>
+      </p:sp>
+      <p:sp>
+        <p:nvSpPr>
+          <p:cNvPr id="5" name="Date Placeholder 4"/>
+          <p:cNvSpPr>
+            <a:spLocks noGrp="1"/>
+          </p:cNvSpPr>
+          <p:nvPr>
+            <p:ph type="dt" sz="half" idx="10"/>
+          </p:nvPr>
+        </p:nvSpPr>
+        <p:spPr>
+          <a:xfrm>
+            <a:off x="723900" y="6453386"/>
+            <a:ext cx="1204572" cy="404614"/>
+          </a:xfrm>
+        </p:spPr>
+        <p:txBody>
+          <a:bodyPr/>
+          <a:lstStyle>
+            <a:lvl1pPr>
+              <a:defRPr>
+                <a:solidFill>
+                  <a:schemeClr val="tx2"/>
+                </a:solidFill>
+              </a:defRPr>
+            </a:lvl1pPr>
+          </a:lstStyle>
+          <a:p>
+            <a:fld id="{6337795A-66C8-4B04-9297-31AE65D1A334}" type="datetimeFigureOut">
+              <a:rPr lang="en-AU" smtClean="0"/>
+              <a:t>28/04/2023</a:t>
+            </a:fld>
+            <a:endParaRPr lang="en-AU"/>
+          </a:p>
+        </p:txBody>
+      </p:sp>
+      <p:sp>
+        <p:nvSpPr>
+          <p:cNvPr id="6" name="Footer Placeholder 5"/>
+          <p:cNvSpPr>
+            <a:spLocks noGrp="1"/>
+          </p:cNvSpPr>
+          <p:nvPr>
+            <p:ph type="ftr" sz="quarter" idx="11"/>
+          </p:nvPr>
+        </p:nvSpPr>
+        <p:spPr>
+          <a:xfrm>
+            <a:off x="2205945" y="6453386"/>
+            <a:ext cx="2373675" cy="404614"/>
+          </a:xfrm>
+        </p:spPr>
+        <p:txBody>
+          <a:bodyPr/>
+          <a:lstStyle>
+            <a:lvl1pPr>
+              <a:defRPr>
+                <a:solidFill>
+                  <a:schemeClr val="tx2"/>
+                </a:solidFill>
+              </a:defRPr>
+            </a:lvl1pPr>
+          </a:lstStyle>
+          <a:p>
+            <a:endParaRPr lang="en-AU"/>
+          </a:p>
+        </p:txBody>
+      </p:sp>
+      <p:sp>
+        <p:nvSpPr>
+          <p:cNvPr id="7" name="Slide Number Placeholder 6"/>
+          <p:cNvSpPr>
+            <a:spLocks noGrp="1"/>
+          </p:cNvSpPr>
+          <p:nvPr>
+            <p:ph type="sldNum" sz="quarter" idx="12"/>
+          </p:nvPr>
+        </p:nvSpPr>
+        <p:spPr>
+          <a:xfrm>
+            <a:off x="9883140" y="6453386"/>
+            <a:ext cx="1596292" cy="404614"/>
+          </a:xfrm>
+        </p:spPr>
+        <p:txBody>
+          <a:bodyPr/>
+          <a:lstStyle>
+            <a:lvl1pPr>
+              <a:defRPr>
+                <a:solidFill>
+                  <a:schemeClr val="tx2"/>
+                </a:solidFill>
+              </a:defRPr>
+            </a:lvl1pPr>
+          </a:lstStyle>
+          <a:p>
+            <a:fld id="{652659A8-14FA-4684-9831-D27427F2CB72}" type="slidenum">
+              <a:rPr lang="en-AU" smtClean="0"/>
+              <a:t>‹Nr.›</a:t>
+            </a:fld>
+            <a:endParaRPr lang="en-AU"/>
+          </a:p>
+        </p:txBody>
+      </p:sp>
+      <p:sp>
+        <p:nvSpPr>
+          <p:cNvPr id="9" name="Rectangle 8" title="Divider Bar"/>
+          <p:cNvSpPr/>
+          <p:nvPr/>
+        </p:nvSpPr>
+        <p:spPr>
+          <a:xfrm>
+            <a:off x="5303520" y="376"/>
+            <a:ext cx="228600" cy="6858000"/>
+          </a:xfrm>
+          <a:prstGeom prst="rect">
+            <a:avLst/>
+          </a:prstGeom>
+          <a:solidFill>
+            <a:schemeClr val="tx2"/>
+          </a:solidFill>
+          <a:ln>
+            <a:noFill/>
+          </a:ln>
+        </p:spPr>
+        <p:style>
+          <a:lnRef idx="2">
+            <a:schemeClr val="accent1">
+              <a:shade val="50000"/>
+            </a:schemeClr>
+          </a:lnRef>
+          <a:fillRef idx="1">
+            <a:schemeClr val="accent1"/>
+          </a:fillRef>
+          <a:effectRef idx="0">
+            <a:schemeClr val="accent1"/>
+          </a:effectRef>
+          <a:fontRef idx="minor">
+            <a:schemeClr val="lt1"/>
+          </a:fontRef>
+        </p:style>
+      </p:sp>
+    </p:spTree>
+    <p:extLst>
+      <p:ext uri="{BB962C8B-B14F-4D97-AF65-F5344CB8AC3E}">
+        <p14:creationId xmlns:p14="http://schemas.microsoft.com/office/powerpoint/2010/main" val="4071591097"/>
+      </p:ext>
+    </p:extLst>
+  </p:cSld>
+  <p:clrMapOvr>
+    <a:masterClrMapping/>
+  </p:clrMapOvr>
+</p:sldLayout>
+</file>
+
+<file path=ppt/slideLayouts/slideLayout26.xml><?xml version="1.0" encoding="utf-8"?>
+<p:sldLayout xmlns:a="http://schemas.openxmlformats.org/drawingml/2006/main" xmlns:r="http://schemas.openxmlformats.org/officeDocument/2006/relationships" xmlns:p="http://schemas.openxmlformats.org/presentationml/2006/main" showMasterSp="0" type="picTx" preserve="1">
+  <p:cSld name="Bild mit Überschrift">
+    <p:spTree>
+      <p:nvGrpSpPr>
+        <p:cNvPr id="1" name=""/>
+        <p:cNvGrpSpPr/>
+        <p:nvPr/>
+      </p:nvGrpSpPr>
+      <p:grpSpPr>
+        <a:xfrm>
+          <a:off x="0" y="0"/>
+          <a:ext cx="0" cy="0"/>
+          <a:chOff x="0" y="0"/>
+          <a:chExt cx="0" cy="0"/>
+        </a:xfrm>
+      </p:grpSpPr>
+      <p:sp>
+        <p:nvSpPr>
+          <p:cNvPr id="8" name="Rectangle 7" title="Background Shape"/>
+          <p:cNvSpPr/>
+          <p:nvPr/>
+        </p:nvSpPr>
+        <p:spPr>
+          <a:xfrm>
+            <a:off x="0" y="376"/>
+            <a:ext cx="5303520" cy="6857624"/>
+          </a:xfrm>
+          <a:prstGeom prst="rect">
+            <a:avLst/>
+          </a:prstGeom>
+          <a:solidFill>
+            <a:schemeClr val="accent1"/>
+          </a:solidFill>
+          <a:ln>
+            <a:noFill/>
+          </a:ln>
+        </p:spPr>
+        <p:style>
+          <a:lnRef idx="2">
+            <a:schemeClr val="accent1">
+              <a:shade val="50000"/>
+            </a:schemeClr>
+          </a:lnRef>
+          <a:fillRef idx="1">
+            <a:schemeClr val="accent1"/>
+          </a:fillRef>
+          <a:effectRef idx="0">
+            <a:schemeClr val="accent1"/>
+          </a:effectRef>
+          <a:fontRef idx="minor">
+            <a:schemeClr val="lt1"/>
+          </a:fontRef>
+        </p:style>
+      </p:sp>
+      <p:sp>
+        <p:nvSpPr>
+          <p:cNvPr id="2" name="Title 1"/>
+          <p:cNvSpPr>
+            <a:spLocks noGrp="1"/>
+          </p:cNvSpPr>
+          <p:nvPr>
+            <p:ph type="title"/>
+          </p:nvPr>
+        </p:nvSpPr>
+        <p:spPr>
+          <a:xfrm>
+            <a:off x="723900" y="685800"/>
+            <a:ext cx="3855720" cy="2157884"/>
+          </a:xfrm>
+        </p:spPr>
+        <p:txBody>
+          <a:bodyPr anchor="t">
+            <a:normAutofit/>
+          </a:bodyPr>
+          <a:lstStyle>
+            <a:lvl1pPr>
+              <a:lnSpc>
+                <a:spcPct val="84000"/>
+              </a:lnSpc>
+              <a:defRPr sz="4800" baseline="0"/>
+            </a:lvl1pPr>
+          </a:lstStyle>
+          <a:p>
+            <a:r>
+              <a:rPr lang="de-DE"/>
+              <a:t>Mastertitelformat bearbeiten</a:t>
+            </a:r>
+            <a:endParaRPr lang="en-US" dirty="0"/>
+          </a:p>
+        </p:txBody>
+      </p:sp>
+      <p:sp>
+        <p:nvSpPr>
+          <p:cNvPr id="3" name="Picture Placeholder 2"/>
+          <p:cNvSpPr>
+            <a:spLocks noGrp="1" noChangeAspect="1"/>
+          </p:cNvSpPr>
+          <p:nvPr>
+            <p:ph type="pic" idx="1"/>
+          </p:nvPr>
+        </p:nvSpPr>
+        <p:spPr>
+          <a:xfrm>
+            <a:off x="5532120" y="0"/>
+            <a:ext cx="6659880" cy="6857999"/>
+          </a:xfrm>
+        </p:spPr>
+        <p:txBody>
+          <a:bodyPr anchor="t">
+            <a:normAutofit/>
+          </a:bodyPr>
+          <a:lstStyle>
+            <a:lvl1pPr marL="0" indent="0">
+              <a:buNone/>
+              <a:defRPr sz="2000"/>
+            </a:lvl1pPr>
+            <a:lvl2pPr marL="457200" indent="0">
+              <a:buNone/>
+              <a:defRPr sz="2000"/>
+            </a:lvl2pPr>
+            <a:lvl3pPr marL="914400" indent="0">
+              <a:buNone/>
+              <a:defRPr sz="2000"/>
+            </a:lvl3pPr>
+            <a:lvl4pPr marL="1371600" indent="0">
+              <a:buNone/>
+              <a:defRPr sz="2000"/>
+            </a:lvl4pPr>
+            <a:lvl5pPr marL="1828800" indent="0">
+              <a:buNone/>
+              <a:defRPr sz="2000"/>
+            </a:lvl5pPr>
+            <a:lvl6pPr marL="2286000" indent="0">
+              <a:buNone/>
+              <a:defRPr sz="2000"/>
+            </a:lvl6pPr>
+            <a:lvl7pPr marL="2743200" indent="0">
+              <a:buNone/>
+              <a:defRPr sz="2000"/>
+            </a:lvl7pPr>
+            <a:lvl8pPr marL="3200400" indent="0">
+              <a:buNone/>
+              <a:defRPr sz="2000"/>
+            </a:lvl8pPr>
+            <a:lvl9pPr marL="3657600" indent="0">
+              <a:buNone/>
+              <a:defRPr sz="2000"/>
+            </a:lvl9pPr>
+          </a:lstStyle>
+          <a:p>
+            <a:r>
+              <a:rPr lang="de-DE"/>
+              <a:t>Bild durch Klicken auf Symbol hinzufügen</a:t>
+            </a:r>
+            <a:endParaRPr lang="en-US" dirty="0"/>
+          </a:p>
+        </p:txBody>
+      </p:sp>
+      <p:sp>
+        <p:nvSpPr>
+          <p:cNvPr id="4" name="Text Placeholder 3"/>
+          <p:cNvSpPr>
+            <a:spLocks noGrp="1"/>
+          </p:cNvSpPr>
+          <p:nvPr>
+            <p:ph type="body" sz="half" idx="2"/>
+          </p:nvPr>
+        </p:nvSpPr>
+        <p:spPr>
+          <a:xfrm>
+            <a:off x="723900" y="2855968"/>
+            <a:ext cx="3855720" cy="3011432"/>
+          </a:xfrm>
+        </p:spPr>
+        <p:txBody>
+          <a:bodyPr/>
+          <a:lstStyle>
+            <a:lvl1pPr marL="0" indent="0">
+              <a:lnSpc>
+                <a:spcPct val="113000"/>
+              </a:lnSpc>
+              <a:spcBef>
+                <a:spcPts val="0"/>
+              </a:spcBef>
+              <a:spcAft>
+                <a:spcPts val="1500"/>
+              </a:spcAft>
+              <a:buNone/>
+              <a:defRPr sz="1600"/>
+            </a:lvl1pPr>
+            <a:lvl2pPr marL="457200" indent="0">
+              <a:buNone/>
+              <a:defRPr sz="1400"/>
+            </a:lvl2pPr>
+            <a:lvl3pPr marL="914400" indent="0">
+              <a:buNone/>
+              <a:defRPr sz="1200"/>
+            </a:lvl3pPr>
+            <a:lvl4pPr marL="1371600" indent="0">
+              <a:buNone/>
+              <a:defRPr sz="1000"/>
+            </a:lvl4pPr>
+            <a:lvl5pPr marL="1828800" indent="0">
+              <a:buNone/>
+              <a:defRPr sz="1000"/>
+            </a:lvl5pPr>
+            <a:lvl6pPr marL="2286000" indent="0">
+              <a:buNone/>
+              <a:defRPr sz="1000"/>
+            </a:lvl6pPr>
+            <a:lvl7pPr marL="2743200" indent="0">
+              <a:buNone/>
+              <a:defRPr sz="1000"/>
+            </a:lvl7pPr>
+            <a:lvl8pPr marL="3200400" indent="0">
+              <a:buNone/>
+              <a:defRPr sz="1000"/>
+            </a:lvl8pPr>
+            <a:lvl9pPr marL="3657600" indent="0">
+              <a:buNone/>
+              <a:defRPr sz="1000"/>
+            </a:lvl9pPr>
+          </a:lstStyle>
+          <a:p>
+            <a:pPr lvl="0"/>
+            <a:r>
+              <a:rPr lang="de-DE"/>
+              <a:t>Mastertextformat bearbeiten</a:t>
+            </a:r>
+          </a:p>
+        </p:txBody>
+      </p:sp>
+      <p:sp>
+        <p:nvSpPr>
+          <p:cNvPr id="5" name="Date Placeholder 4"/>
+          <p:cNvSpPr>
+            <a:spLocks noGrp="1"/>
+          </p:cNvSpPr>
+          <p:nvPr>
+            <p:ph type="dt" sz="half" idx="10"/>
+          </p:nvPr>
+        </p:nvSpPr>
+        <p:spPr>
+          <a:xfrm>
+            <a:off x="723900" y="6453386"/>
+            <a:ext cx="1204572" cy="404614"/>
+          </a:xfrm>
+        </p:spPr>
+        <p:txBody>
+          <a:bodyPr/>
+          <a:lstStyle>
+            <a:lvl1pPr>
+              <a:defRPr>
+                <a:solidFill>
+                  <a:schemeClr val="tx2"/>
+                </a:solidFill>
+              </a:defRPr>
+            </a:lvl1pPr>
+          </a:lstStyle>
+          <a:p>
+            <a:fld id="{6337795A-66C8-4B04-9297-31AE65D1A334}" type="datetimeFigureOut">
+              <a:rPr lang="en-AU" smtClean="0"/>
+              <a:t>28/04/2023</a:t>
+            </a:fld>
+            <a:endParaRPr lang="en-AU"/>
+          </a:p>
+        </p:txBody>
+      </p:sp>
+      <p:sp>
+        <p:nvSpPr>
+          <p:cNvPr id="6" name="Footer Placeholder 5"/>
+          <p:cNvSpPr>
+            <a:spLocks noGrp="1"/>
+          </p:cNvSpPr>
+          <p:nvPr>
+            <p:ph type="ftr" sz="quarter" idx="11"/>
+          </p:nvPr>
+        </p:nvSpPr>
+        <p:spPr>
+          <a:xfrm>
+            <a:off x="2205945" y="6453386"/>
+            <a:ext cx="2373675" cy="404614"/>
+          </a:xfrm>
+        </p:spPr>
+        <p:txBody>
+          <a:bodyPr/>
+          <a:lstStyle>
+            <a:lvl1pPr>
+              <a:defRPr>
+                <a:solidFill>
+                  <a:schemeClr val="tx2"/>
+                </a:solidFill>
+              </a:defRPr>
+            </a:lvl1pPr>
+          </a:lstStyle>
+          <a:p>
+            <a:endParaRPr lang="en-AU"/>
+          </a:p>
+        </p:txBody>
+      </p:sp>
+      <p:sp>
+        <p:nvSpPr>
+          <p:cNvPr id="7" name="Slide Number Placeholder 6"/>
+          <p:cNvSpPr>
+            <a:spLocks noGrp="1"/>
+          </p:cNvSpPr>
+          <p:nvPr>
+            <p:ph type="sldNum" sz="quarter" idx="12"/>
+          </p:nvPr>
+        </p:nvSpPr>
+        <p:spPr>
+          <a:xfrm>
+            <a:off x="9883140" y="6453386"/>
+            <a:ext cx="1596292" cy="404614"/>
+          </a:xfrm>
+        </p:spPr>
+        <p:txBody>
+          <a:bodyPr/>
+          <a:lstStyle>
+            <a:lvl1pPr>
+              <a:defRPr>
+                <a:solidFill>
+                  <a:schemeClr val="tx2"/>
+                </a:solidFill>
+              </a:defRPr>
+            </a:lvl1pPr>
+          </a:lstStyle>
+          <a:p>
+            <a:fld id="{652659A8-14FA-4684-9831-D27427F2CB72}" type="slidenum">
+              <a:rPr lang="en-AU" smtClean="0"/>
+              <a:t>‹Nr.›</a:t>
+            </a:fld>
+            <a:endParaRPr lang="en-AU"/>
+          </a:p>
+        </p:txBody>
+      </p:sp>
+      <p:sp>
+        <p:nvSpPr>
+          <p:cNvPr id="9" name="Rectangle 8" title="Divider Bar"/>
+          <p:cNvSpPr/>
+          <p:nvPr/>
+        </p:nvSpPr>
+        <p:spPr>
+          <a:xfrm>
+            <a:off x="5303520" y="376"/>
+            <a:ext cx="228600" cy="6858000"/>
+          </a:xfrm>
+          <a:prstGeom prst="rect">
+            <a:avLst/>
+          </a:prstGeom>
+          <a:solidFill>
+            <a:schemeClr val="tx2"/>
+          </a:solidFill>
+          <a:ln>
+            <a:noFill/>
+          </a:ln>
+        </p:spPr>
+        <p:style>
+          <a:lnRef idx="2">
+            <a:schemeClr val="accent1">
+              <a:shade val="50000"/>
+            </a:schemeClr>
+          </a:lnRef>
+          <a:fillRef idx="1">
+            <a:schemeClr val="accent1"/>
+          </a:fillRef>
+          <a:effectRef idx="0">
+            <a:schemeClr val="accent1"/>
+          </a:effectRef>
+          <a:fontRef idx="minor">
+            <a:schemeClr val="lt1"/>
+          </a:fontRef>
+        </p:style>
+      </p:sp>
+    </p:spTree>
+    <p:extLst>
+      <p:ext uri="{BB962C8B-B14F-4D97-AF65-F5344CB8AC3E}">
+        <p14:creationId xmlns:p14="http://schemas.microsoft.com/office/powerpoint/2010/main" val="1028089423"/>
+      </p:ext>
+    </p:extLst>
+  </p:cSld>
+  <p:clrMapOvr>
+    <a:masterClrMapping/>
+  </p:clrMapOvr>
+</p:sldLayout>
+</file>
+
+<file path=ppt/slideLayouts/slideLayout27.xml><?xml version="1.0" encoding="utf-8"?>
+<p:sldLayout xmlns:a="http://schemas.openxmlformats.org/drawingml/2006/main" xmlns:r="http://schemas.openxmlformats.org/officeDocument/2006/relationships" xmlns:p="http://schemas.openxmlformats.org/presentationml/2006/main" type="vertTx" preserve="1">
+  <p:cSld name="Titel und vertikaler Text">
+    <p:spTree>
+      <p:nvGrpSpPr>
+        <p:cNvPr id="1" name=""/>
+        <p:cNvGrpSpPr/>
+        <p:nvPr/>
+      </p:nvGrpSpPr>
+      <p:grpSpPr>
+        <a:xfrm>
+          <a:off x="0" y="0"/>
+          <a:ext cx="0" cy="0"/>
+          <a:chOff x="0" y="0"/>
+          <a:chExt cx="0" cy="0"/>
+        </a:xfrm>
+      </p:grpSpPr>
+      <p:sp>
+        <p:nvSpPr>
+          <p:cNvPr id="2" name="Title 1"/>
+          <p:cNvSpPr>
+            <a:spLocks noGrp="1"/>
+          </p:cNvSpPr>
+          <p:nvPr>
+            <p:ph type="title"/>
+          </p:nvPr>
+        </p:nvSpPr>
+        <p:spPr/>
+        <p:txBody>
+          <a:bodyPr/>
+          <a:lstStyle/>
+          <a:p>
+            <a:r>
+              <a:rPr lang="de-DE"/>
+              <a:t>Mastertitelformat bearbeiten</a:t>
+            </a:r>
+            <a:endParaRPr lang="en-US" dirty="0"/>
+          </a:p>
+        </p:txBody>
+      </p:sp>
+      <p:sp>
+        <p:nvSpPr>
+          <p:cNvPr id="3" name="Vertical Text Placeholder 2"/>
+          <p:cNvSpPr>
+            <a:spLocks noGrp="1"/>
+          </p:cNvSpPr>
+          <p:nvPr>
+            <p:ph type="body" orient="vert" idx="1"/>
+          </p:nvPr>
+        </p:nvSpPr>
+        <p:spPr>
+          <a:xfrm>
+            <a:off x="1371600" y="2295525"/>
+            <a:ext cx="9601200" cy="3571875"/>
+          </a:xfrm>
+        </p:spPr>
+        <p:txBody>
+          <a:bodyPr vert="eaVert"/>
+          <a:lstStyle/>
+          <a:p>
+            <a:pPr lvl="0"/>
+            <a:r>
+              <a:rPr lang="de-DE"/>
+              <a:t>Mastertextformat bearbeiten</a:t>
+            </a:r>
+          </a:p>
+          <a:p>
+            <a:pPr lvl="1"/>
+            <a:r>
+              <a:rPr lang="de-DE"/>
+              <a:t>Zweite Ebene</a:t>
+            </a:r>
+          </a:p>
+          <a:p>
+            <a:pPr lvl="2"/>
+            <a:r>
+              <a:rPr lang="de-DE"/>
+              <a:t>Dritte Ebene</a:t>
+            </a:r>
+          </a:p>
+          <a:p>
+            <a:pPr lvl="3"/>
+            <a:r>
+              <a:rPr lang="de-DE"/>
+              <a:t>Vierte Ebene</a:t>
+            </a:r>
+          </a:p>
+          <a:p>
+            <a:pPr lvl="4"/>
+            <a:r>
+              <a:rPr lang="de-DE"/>
+              <a:t>Fünfte Ebene</a:t>
+            </a:r>
+            <a:endParaRPr lang="en-US" dirty="0"/>
+          </a:p>
+        </p:txBody>
+      </p:sp>
+      <p:sp>
+        <p:nvSpPr>
+          <p:cNvPr id="4" name="Date Placeholder 3"/>
+          <p:cNvSpPr>
+            <a:spLocks noGrp="1"/>
+          </p:cNvSpPr>
+          <p:nvPr>
+            <p:ph type="dt" sz="half" idx="10"/>
+          </p:nvPr>
+        </p:nvSpPr>
+        <p:spPr/>
+        <p:txBody>
+          <a:bodyPr/>
+          <a:lstStyle/>
+          <a:p>
+            <a:fld id="{6337795A-66C8-4B04-9297-31AE65D1A334}" type="datetimeFigureOut">
+              <a:rPr lang="en-AU" smtClean="0"/>
+              <a:t>28/04/2023</a:t>
+            </a:fld>
+            <a:endParaRPr lang="en-AU"/>
+          </a:p>
+        </p:txBody>
+      </p:sp>
+      <p:sp>
+        <p:nvSpPr>
+          <p:cNvPr id="5" name="Footer Placeholder 4"/>
+          <p:cNvSpPr>
+            <a:spLocks noGrp="1"/>
+          </p:cNvSpPr>
+          <p:nvPr>
+            <p:ph type="ftr" sz="quarter" idx="11"/>
+          </p:nvPr>
+        </p:nvSpPr>
+        <p:spPr/>
+        <p:txBody>
+          <a:bodyPr/>
+          <a:lstStyle/>
+          <a:p>
+            <a:endParaRPr lang="en-AU"/>
+          </a:p>
+        </p:txBody>
+      </p:sp>
+      <p:sp>
+        <p:nvSpPr>
+          <p:cNvPr id="6" name="Slide Number Placeholder 5"/>
+          <p:cNvSpPr>
+            <a:spLocks noGrp="1"/>
+          </p:cNvSpPr>
+          <p:nvPr>
+            <p:ph type="sldNum" sz="quarter" idx="12"/>
+          </p:nvPr>
+        </p:nvSpPr>
+        <p:spPr/>
+        <p:txBody>
+          <a:bodyPr/>
+          <a:lstStyle/>
+          <a:p>
+            <a:fld id="{652659A8-14FA-4684-9831-D27427F2CB72}" type="slidenum">
+              <a:rPr lang="en-AU" smtClean="0"/>
+              <a:t>‹Nr.›</a:t>
+            </a:fld>
+            <a:endParaRPr lang="en-AU"/>
+          </a:p>
+        </p:txBody>
+      </p:sp>
+    </p:spTree>
+    <p:extLst>
+      <p:ext uri="{BB962C8B-B14F-4D97-AF65-F5344CB8AC3E}">
+        <p14:creationId xmlns:p14="http://schemas.microsoft.com/office/powerpoint/2010/main" val="3637516521"/>
+      </p:ext>
+    </p:extLst>
+  </p:cSld>
+  <p:clrMapOvr>
+    <a:masterClrMapping/>
+  </p:clrMapOvr>
+</p:sldLayout>
+</file>
+
+<file path=ppt/slideLayouts/slideLayout28.xml><?xml version="1.0" encoding="utf-8"?>
+<p:sldLayout xmlns:a="http://schemas.openxmlformats.org/drawingml/2006/main" xmlns:r="http://schemas.openxmlformats.org/officeDocument/2006/relationships" xmlns:p="http://schemas.openxmlformats.org/presentationml/2006/main" type="vertTitleAndTx" preserve="1">
+  <p:cSld name="Vertikaler Titel und Text">
+    <p:spTree>
+      <p:nvGrpSpPr>
+        <p:cNvPr id="1" name=""/>
+        <p:cNvGrpSpPr/>
+        <p:nvPr/>
+      </p:nvGrpSpPr>
+      <p:grpSpPr>
+        <a:xfrm>
+          <a:off x="0" y="0"/>
+          <a:ext cx="0" cy="0"/>
+          <a:chOff x="0" y="0"/>
+          <a:chExt cx="0" cy="0"/>
+        </a:xfrm>
+      </p:grpSpPr>
+      <p:sp>
+        <p:nvSpPr>
+          <p:cNvPr id="2" name="Vertical Title 1"/>
+          <p:cNvSpPr>
+            <a:spLocks noGrp="1"/>
+          </p:cNvSpPr>
+          <p:nvPr>
+            <p:ph type="title" orient="vert"/>
+          </p:nvPr>
+        </p:nvSpPr>
+        <p:spPr>
+          <a:xfrm>
+            <a:off x="9596561" y="624156"/>
+            <a:ext cx="1565766" cy="5243244"/>
+          </a:xfrm>
+        </p:spPr>
+        <p:txBody>
+          <a:bodyPr vert="eaVert"/>
+          <a:lstStyle/>
+          <a:p>
+            <a:r>
+              <a:rPr lang="de-DE"/>
+              <a:t>Mastertitelformat bearbeiten</a:t>
+            </a:r>
+            <a:endParaRPr lang="en-US" dirty="0"/>
+          </a:p>
+        </p:txBody>
+      </p:sp>
+      <p:sp>
+        <p:nvSpPr>
+          <p:cNvPr id="3" name="Vertical Text Placeholder 2"/>
+          <p:cNvSpPr>
+            <a:spLocks noGrp="1"/>
+          </p:cNvSpPr>
+          <p:nvPr>
+            <p:ph type="body" orient="vert" idx="1"/>
+          </p:nvPr>
+        </p:nvSpPr>
+        <p:spPr>
+          <a:xfrm>
+            <a:off x="1371600" y="624156"/>
+            <a:ext cx="8179641" cy="5243244"/>
+          </a:xfrm>
+        </p:spPr>
+        <p:txBody>
+          <a:bodyPr vert="eaVert"/>
+          <a:lstStyle/>
+          <a:p>
+            <a:pPr lvl="0"/>
+            <a:r>
+              <a:rPr lang="de-DE"/>
+              <a:t>Mastertextformat bearbeiten</a:t>
+            </a:r>
+          </a:p>
+          <a:p>
+            <a:pPr lvl="1"/>
+            <a:r>
+              <a:rPr lang="de-DE"/>
+              <a:t>Zweite Ebene</a:t>
+            </a:r>
+          </a:p>
+          <a:p>
+            <a:pPr lvl="2"/>
+            <a:r>
+              <a:rPr lang="de-DE"/>
+              <a:t>Dritte Ebene</a:t>
+            </a:r>
+          </a:p>
+          <a:p>
+            <a:pPr lvl="3"/>
+            <a:r>
+              <a:rPr lang="de-DE"/>
+              <a:t>Vierte Ebene</a:t>
+            </a:r>
+          </a:p>
+          <a:p>
+            <a:pPr lvl="4"/>
+            <a:r>
+              <a:rPr lang="de-DE"/>
+              <a:t>Fünfte Ebene</a:t>
+            </a:r>
+            <a:endParaRPr lang="en-US" dirty="0"/>
+          </a:p>
+        </p:txBody>
+      </p:sp>
+      <p:sp>
+        <p:nvSpPr>
+          <p:cNvPr id="4" name="Date Placeholder 3"/>
+          <p:cNvSpPr>
+            <a:spLocks noGrp="1"/>
+          </p:cNvSpPr>
+          <p:nvPr>
+            <p:ph type="dt" sz="half" idx="10"/>
+          </p:nvPr>
+        </p:nvSpPr>
+        <p:spPr/>
+        <p:txBody>
+          <a:bodyPr/>
+          <a:lstStyle/>
+          <a:p>
+            <a:fld id="{6337795A-66C8-4B04-9297-31AE65D1A334}" type="datetimeFigureOut">
+              <a:rPr lang="en-AU" smtClean="0"/>
+              <a:t>28/04/2023</a:t>
+            </a:fld>
+            <a:endParaRPr lang="en-AU"/>
+          </a:p>
+        </p:txBody>
+      </p:sp>
+      <p:sp>
+        <p:nvSpPr>
+          <p:cNvPr id="5" name="Footer Placeholder 4"/>
+          <p:cNvSpPr>
+            <a:spLocks noGrp="1"/>
+          </p:cNvSpPr>
+          <p:nvPr>
+            <p:ph type="ftr" sz="quarter" idx="11"/>
+          </p:nvPr>
+        </p:nvSpPr>
+        <p:spPr/>
+        <p:txBody>
+          <a:bodyPr/>
+          <a:lstStyle/>
+          <a:p>
+            <a:endParaRPr lang="en-AU"/>
+          </a:p>
+        </p:txBody>
+      </p:sp>
+      <p:sp>
+        <p:nvSpPr>
+          <p:cNvPr id="6" name="Slide Number Placeholder 5"/>
+          <p:cNvSpPr>
+            <a:spLocks noGrp="1"/>
+          </p:cNvSpPr>
+          <p:nvPr>
+            <p:ph type="sldNum" sz="quarter" idx="12"/>
+          </p:nvPr>
+        </p:nvSpPr>
+        <p:spPr/>
+        <p:txBody>
+          <a:bodyPr/>
+          <a:lstStyle/>
+          <a:p>
+            <a:fld id="{652659A8-14FA-4684-9831-D27427F2CB72}" type="slidenum">
+              <a:rPr lang="en-AU" smtClean="0"/>
+              <a:t>‹Nr.›</a:t>
+            </a:fld>
+            <a:endParaRPr lang="en-AU"/>
+          </a:p>
+        </p:txBody>
+      </p:sp>
+    </p:spTree>
+    <p:extLst>
+      <p:ext uri="{BB962C8B-B14F-4D97-AF65-F5344CB8AC3E}">
+        <p14:creationId xmlns:p14="http://schemas.microsoft.com/office/powerpoint/2010/main" val="3127423228"/>
       </p:ext>
     </p:extLst>
   </p:cSld>
@@ -3919,7 +7360,7 @@
           <a:p>
             <a:fld id="{6337795A-66C8-4B04-9297-31AE65D1A334}" type="datetimeFigureOut">
               <a:rPr lang="en-AU" smtClean="0"/>
-              <a:t>24/04/2023</a:t>
+              <a:t>28/04/2023</a:t>
             </a:fld>
             <a:endParaRPr lang="en-AU"/>
           </a:p>
@@ -4148,7 +7589,7 @@
           <a:p>
             <a:fld id="{6337795A-66C8-4B04-9297-31AE65D1A334}" type="datetimeFigureOut">
               <a:rPr lang="en-AU" smtClean="0"/>
-              <a:t>24/04/2023</a:t>
+              <a:t>28/04/2023</a:t>
             </a:fld>
             <a:endParaRPr lang="en-AU"/>
           </a:p>
@@ -4519,7 +7960,7 @@
           <a:p>
             <a:fld id="{6337795A-66C8-4B04-9297-31AE65D1A334}" type="datetimeFigureOut">
               <a:rPr lang="en-AU" smtClean="0"/>
-              <a:t>24/04/2023</a:t>
+              <a:t>28/04/2023</a:t>
             </a:fld>
             <a:endParaRPr lang="en-AU"/>
           </a:p>
@@ -4641,7 +8082,7 @@
           <a:p>
             <a:fld id="{6337795A-66C8-4B04-9297-31AE65D1A334}" type="datetimeFigureOut">
               <a:rPr lang="en-AU" smtClean="0"/>
-              <a:t>24/04/2023</a:t>
+              <a:t>28/04/2023</a:t>
             </a:fld>
             <a:endParaRPr lang="en-AU"/>
           </a:p>
@@ -4736,7 +8177,7 @@
           <a:p>
             <a:fld id="{6337795A-66C8-4B04-9297-31AE65D1A334}" type="datetimeFigureOut">
               <a:rPr lang="en-AU" smtClean="0"/>
-              <a:t>24/04/2023</a:t>
+              <a:t>28/04/2023</a:t>
             </a:fld>
             <a:endParaRPr lang="en-AU"/>
           </a:p>
@@ -4989,7 +8430,7 @@
           <a:p>
             <a:fld id="{6337795A-66C8-4B04-9297-31AE65D1A334}" type="datetimeFigureOut">
               <a:rPr lang="en-AU" smtClean="0"/>
-              <a:t>24/04/2023</a:t>
+              <a:t>28/04/2023</a:t>
             </a:fld>
             <a:endParaRPr lang="en-AU"/>
           </a:p>
@@ -5250,7 +8691,7 @@
           <a:p>
             <a:fld id="{6337795A-66C8-4B04-9297-31AE65D1A334}" type="datetimeFigureOut">
               <a:rPr lang="en-AU" smtClean="0"/>
-              <a:t>24/04/2023</a:t>
+              <a:t>28/04/2023</a:t>
             </a:fld>
             <a:endParaRPr lang="en-AU"/>
           </a:p>
@@ -5993,7 +9434,7 @@
           <a:p>
             <a:fld id="{6337795A-66C8-4B04-9297-31AE65D1A334}" type="datetimeFigureOut">
               <a:rPr lang="en-AU" smtClean="0"/>
-              <a:t>24/04/2023</a:t>
+              <a:t>28/04/2023</a:t>
             </a:fld>
             <a:endParaRPr lang="en-AU"/>
           </a:p>
@@ -6500,6 +9941,655 @@
 </p:sldMaster>
 </file>
 
+<file path=ppt/slideMasters/slideMaster2.xml><?xml version="1.0" encoding="utf-8"?>
+<p:sldMaster xmlns:a="http://schemas.openxmlformats.org/drawingml/2006/main" xmlns:r="http://schemas.openxmlformats.org/officeDocument/2006/relationships" xmlns:p="http://schemas.openxmlformats.org/presentationml/2006/main">
+  <p:cSld>
+    <p:bg>
+      <p:bgPr>
+        <a:solidFill>
+          <a:schemeClr val="bg2"/>
+        </a:solidFill>
+        <a:effectLst/>
+      </p:bgPr>
+    </p:bg>
+    <p:spTree>
+      <p:nvGrpSpPr>
+        <p:cNvPr id="1" name=""/>
+        <p:cNvGrpSpPr/>
+        <p:nvPr/>
+      </p:nvGrpSpPr>
+      <p:grpSpPr>
+        <a:xfrm>
+          <a:off x="0" y="0"/>
+          <a:ext cx="0" cy="0"/>
+          <a:chOff x="0" y="0"/>
+          <a:chExt cx="0" cy="0"/>
+        </a:xfrm>
+      </p:grpSpPr>
+      <p:sp>
+        <p:nvSpPr>
+          <p:cNvPr id="2" name="Title Placeholder 1"/>
+          <p:cNvSpPr>
+            <a:spLocks noGrp="1"/>
+          </p:cNvSpPr>
+          <p:nvPr>
+            <p:ph type="title"/>
+          </p:nvPr>
+        </p:nvSpPr>
+        <p:spPr>
+          <a:xfrm>
+            <a:off x="1371600" y="685800"/>
+            <a:ext cx="9601200" cy="1485900"/>
+          </a:xfrm>
+          <a:prstGeom prst="rect">
+            <a:avLst/>
+          </a:prstGeom>
+        </p:spPr>
+        <p:txBody>
+          <a:bodyPr vert="horz" lIns="91440" tIns="45720" rIns="91440" bIns="45720" rtlCol="0" anchor="t">
+            <a:normAutofit/>
+          </a:bodyPr>
+          <a:lstStyle/>
+          <a:p>
+            <a:r>
+              <a:rPr lang="de-DE"/>
+              <a:t>Mastertitelformat bearbeiten</a:t>
+            </a:r>
+            <a:endParaRPr lang="en-US" dirty="0"/>
+          </a:p>
+        </p:txBody>
+      </p:sp>
+      <p:sp>
+        <p:nvSpPr>
+          <p:cNvPr id="3" name="Text Placeholder 2"/>
+          <p:cNvSpPr>
+            <a:spLocks noGrp="1"/>
+          </p:cNvSpPr>
+          <p:nvPr>
+            <p:ph type="body" idx="1"/>
+          </p:nvPr>
+        </p:nvSpPr>
+        <p:spPr>
+          <a:xfrm>
+            <a:off x="1371600" y="2286000"/>
+            <a:ext cx="9601200" cy="3581400"/>
+          </a:xfrm>
+          <a:prstGeom prst="rect">
+            <a:avLst/>
+          </a:prstGeom>
+        </p:spPr>
+        <p:txBody>
+          <a:bodyPr vert="horz" lIns="91440" tIns="45720" rIns="91440" bIns="45720" rtlCol="0">
+            <a:normAutofit/>
+          </a:bodyPr>
+          <a:lstStyle/>
+          <a:p>
+            <a:pPr lvl="0"/>
+            <a:r>
+              <a:rPr lang="de-DE"/>
+              <a:t>Mastertextformat bearbeiten</a:t>
+            </a:r>
+          </a:p>
+          <a:p>
+            <a:pPr lvl="1"/>
+            <a:r>
+              <a:rPr lang="de-DE"/>
+              <a:t>Zweite Ebene</a:t>
+            </a:r>
+          </a:p>
+          <a:p>
+            <a:pPr lvl="2"/>
+            <a:r>
+              <a:rPr lang="de-DE"/>
+              <a:t>Dritte Ebene</a:t>
+            </a:r>
+          </a:p>
+          <a:p>
+            <a:pPr lvl="3"/>
+            <a:r>
+              <a:rPr lang="de-DE"/>
+              <a:t>Vierte Ebene</a:t>
+            </a:r>
+          </a:p>
+          <a:p>
+            <a:pPr lvl="4"/>
+            <a:r>
+              <a:rPr lang="de-DE"/>
+              <a:t>Fünfte Ebene</a:t>
+            </a:r>
+            <a:endParaRPr lang="en-US" dirty="0"/>
+          </a:p>
+        </p:txBody>
+      </p:sp>
+      <p:sp>
+        <p:nvSpPr>
+          <p:cNvPr id="4" name="Date Placeholder 3"/>
+          <p:cNvSpPr>
+            <a:spLocks noGrp="1"/>
+          </p:cNvSpPr>
+          <p:nvPr>
+            <p:ph type="dt" sz="half" idx="2"/>
+          </p:nvPr>
+        </p:nvSpPr>
+        <p:spPr>
+          <a:xfrm>
+            <a:off x="1390650" y="6453386"/>
+            <a:ext cx="1204572" cy="404614"/>
+          </a:xfrm>
+          <a:prstGeom prst="rect">
+            <a:avLst/>
+          </a:prstGeom>
+        </p:spPr>
+        <p:txBody>
+          <a:bodyPr vert="horz" lIns="91440" tIns="45720" rIns="91440" bIns="45720" rtlCol="0" anchor="ctr"/>
+          <a:lstStyle>
+            <a:lvl1pPr algn="l">
+              <a:defRPr sz="1200" baseline="0">
+                <a:solidFill>
+                  <a:schemeClr val="tx2"/>
+                </a:solidFill>
+              </a:defRPr>
+            </a:lvl1pPr>
+          </a:lstStyle>
+          <a:p>
+            <a:fld id="{6337795A-66C8-4B04-9297-31AE65D1A334}" type="datetimeFigureOut">
+              <a:rPr lang="en-AU" smtClean="0"/>
+              <a:t>28/04/2023</a:t>
+            </a:fld>
+            <a:endParaRPr lang="en-AU"/>
+          </a:p>
+        </p:txBody>
+      </p:sp>
+      <p:sp>
+        <p:nvSpPr>
+          <p:cNvPr id="5" name="Footer Placeholder 4"/>
+          <p:cNvSpPr>
+            <a:spLocks noGrp="1"/>
+          </p:cNvSpPr>
+          <p:nvPr>
+            <p:ph type="ftr" sz="quarter" idx="3"/>
+          </p:nvPr>
+        </p:nvSpPr>
+        <p:spPr>
+          <a:xfrm>
+            <a:off x="2893564" y="6453386"/>
+            <a:ext cx="6280830" cy="404614"/>
+          </a:xfrm>
+          <a:prstGeom prst="rect">
+            <a:avLst/>
+          </a:prstGeom>
+        </p:spPr>
+        <p:txBody>
+          <a:bodyPr vert="horz" lIns="91440" tIns="45720" rIns="91440" bIns="45720" rtlCol="0" anchor="ctr"/>
+          <a:lstStyle>
+            <a:lvl1pPr algn="l">
+              <a:defRPr sz="1200" baseline="0">
+                <a:solidFill>
+                  <a:schemeClr val="tx2"/>
+                </a:solidFill>
+              </a:defRPr>
+            </a:lvl1pPr>
+          </a:lstStyle>
+          <a:p>
+            <a:endParaRPr lang="en-AU"/>
+          </a:p>
+        </p:txBody>
+      </p:sp>
+      <p:sp>
+        <p:nvSpPr>
+          <p:cNvPr id="6" name="Slide Number Placeholder 5"/>
+          <p:cNvSpPr>
+            <a:spLocks noGrp="1"/>
+          </p:cNvSpPr>
+          <p:nvPr>
+            <p:ph type="sldNum" sz="quarter" idx="4"/>
+          </p:nvPr>
+        </p:nvSpPr>
+        <p:spPr>
+          <a:xfrm>
+            <a:off x="9472736" y="6453386"/>
+            <a:ext cx="1596292" cy="404614"/>
+          </a:xfrm>
+          <a:prstGeom prst="rect">
+            <a:avLst/>
+          </a:prstGeom>
+        </p:spPr>
+        <p:txBody>
+          <a:bodyPr vert="horz" lIns="91440" tIns="45720" rIns="91440" bIns="45720" rtlCol="0" anchor="ctr"/>
+          <a:lstStyle>
+            <a:lvl1pPr algn="r">
+              <a:defRPr sz="1200" baseline="0">
+                <a:solidFill>
+                  <a:schemeClr val="tx2"/>
+                </a:solidFill>
+              </a:defRPr>
+            </a:lvl1pPr>
+          </a:lstStyle>
+          <a:p>
+            <a:fld id="{652659A8-14FA-4684-9831-D27427F2CB72}" type="slidenum">
+              <a:rPr lang="en-AU" smtClean="0"/>
+              <a:t>‹Nr.›</a:t>
+            </a:fld>
+            <a:endParaRPr lang="en-AU"/>
+          </a:p>
+        </p:txBody>
+      </p:sp>
+      <p:sp>
+        <p:nvSpPr>
+          <p:cNvPr id="9" name="Rectangle 8" title="Side bar"/>
+          <p:cNvSpPr/>
+          <p:nvPr/>
+        </p:nvSpPr>
+        <p:spPr>
+          <a:xfrm>
+            <a:off x="478095" y="376"/>
+            <a:ext cx="228600" cy="6858000"/>
+          </a:xfrm>
+          <a:prstGeom prst="rect">
+            <a:avLst/>
+          </a:prstGeom>
+          <a:solidFill>
+            <a:schemeClr val="tx2"/>
+          </a:solidFill>
+          <a:ln>
+            <a:noFill/>
+          </a:ln>
+        </p:spPr>
+        <p:style>
+          <a:lnRef idx="2">
+            <a:schemeClr val="accent1">
+              <a:shade val="50000"/>
+            </a:schemeClr>
+          </a:lnRef>
+          <a:fillRef idx="1">
+            <a:schemeClr val="accent1"/>
+          </a:fillRef>
+          <a:effectRef idx="0">
+            <a:schemeClr val="accent1"/>
+          </a:effectRef>
+          <a:fontRef idx="minor">
+            <a:schemeClr val="lt1"/>
+          </a:fontRef>
+        </p:style>
+      </p:sp>
+    </p:spTree>
+    <p:extLst>
+      <p:ext uri="{BB962C8B-B14F-4D97-AF65-F5344CB8AC3E}">
+        <p14:creationId xmlns:p14="http://schemas.microsoft.com/office/powerpoint/2010/main" val="3621588861"/>
+      </p:ext>
+    </p:extLst>
+  </p:cSld>
+  <p:clrMap bg1="lt1" tx1="dk1" bg2="lt2" tx2="dk2" accent1="accent1" accent2="accent2" accent3="accent3" accent4="accent4" accent5="accent5" accent6="accent6" hlink="hlink" folHlink="folHlink"/>
+  <p:sldLayoutIdLst>
+    <p:sldLayoutId id="2147483690" r:id="rId1"/>
+    <p:sldLayoutId id="2147483691" r:id="rId2"/>
+    <p:sldLayoutId id="2147483692" r:id="rId3"/>
+    <p:sldLayoutId id="2147483701" r:id="rId4"/>
+    <p:sldLayoutId id="2147483693" r:id="rId5"/>
+    <p:sldLayoutId id="2147483694" r:id="rId6"/>
+    <p:sldLayoutId id="2147483695" r:id="rId7"/>
+    <p:sldLayoutId id="2147483696" r:id="rId8"/>
+    <p:sldLayoutId id="2147483697" r:id="rId9"/>
+    <p:sldLayoutId id="2147483698" r:id="rId10"/>
+    <p:sldLayoutId id="2147483699" r:id="rId11"/>
+    <p:sldLayoutId id="2147483700" r:id="rId12"/>
+  </p:sldLayoutIdLst>
+  <p:txStyles>
+    <p:titleStyle>
+      <a:lvl1pPr algn="l" defTabSz="914400" rtl="0" eaLnBrk="1" latinLnBrk="0" hangingPunct="1">
+        <a:lnSpc>
+          <a:spcPct val="89000"/>
+        </a:lnSpc>
+        <a:spcBef>
+          <a:spcPct val="0"/>
+        </a:spcBef>
+        <a:buNone/>
+        <a:defRPr sz="4400" kern="1200" baseline="0">
+          <a:solidFill>
+            <a:schemeClr val="tx2"/>
+          </a:solidFill>
+          <a:latin typeface="+mj-lt"/>
+          <a:ea typeface="+mj-ea"/>
+          <a:cs typeface="+mj-cs"/>
+        </a:defRPr>
+      </a:lvl1pPr>
+    </p:titleStyle>
+    <p:bodyStyle>
+      <a:lvl1pPr marL="384048" indent="-384048" algn="l" defTabSz="914400" rtl="0" eaLnBrk="1" latinLnBrk="0" hangingPunct="1">
+        <a:lnSpc>
+          <a:spcPct val="94000"/>
+        </a:lnSpc>
+        <a:spcBef>
+          <a:spcPts val="1000"/>
+        </a:spcBef>
+        <a:spcAft>
+          <a:spcPts val="200"/>
+        </a:spcAft>
+        <a:buFont typeface="Franklin Gothic Book" panose="020B0503020102020204" pitchFamily="34" charset="0"/>
+        <a:buChar char="■"/>
+        <a:defRPr sz="2000" kern="1200" baseline="0">
+          <a:solidFill>
+            <a:schemeClr val="tx2"/>
+          </a:solidFill>
+          <a:latin typeface="+mn-lt"/>
+          <a:ea typeface="+mn-ea"/>
+          <a:cs typeface="+mn-cs"/>
+        </a:defRPr>
+      </a:lvl1pPr>
+      <a:lvl2pPr marL="914400" indent="-384048" algn="l" defTabSz="914400" rtl="0" eaLnBrk="1" latinLnBrk="0" hangingPunct="1">
+        <a:lnSpc>
+          <a:spcPct val="94000"/>
+        </a:lnSpc>
+        <a:spcBef>
+          <a:spcPts val="500"/>
+        </a:spcBef>
+        <a:spcAft>
+          <a:spcPts val="200"/>
+        </a:spcAft>
+        <a:buFont typeface="Franklin Gothic Book" panose="020B0503020102020204" pitchFamily="34" charset="0"/>
+        <a:buChar char="–"/>
+        <a:defRPr sz="2000" i="1" kern="1200" baseline="0">
+          <a:solidFill>
+            <a:schemeClr val="tx2"/>
+          </a:solidFill>
+          <a:latin typeface="+mn-lt"/>
+          <a:ea typeface="+mn-ea"/>
+          <a:cs typeface="+mn-cs"/>
+        </a:defRPr>
+      </a:lvl2pPr>
+      <a:lvl3pPr marL="1371600" indent="-384048" algn="l" defTabSz="914400" rtl="0" eaLnBrk="1" latinLnBrk="0" hangingPunct="1">
+        <a:lnSpc>
+          <a:spcPct val="94000"/>
+        </a:lnSpc>
+        <a:spcBef>
+          <a:spcPts val="500"/>
+        </a:spcBef>
+        <a:spcAft>
+          <a:spcPts val="200"/>
+        </a:spcAft>
+        <a:buFont typeface="Franklin Gothic Book" panose="020B0503020102020204" pitchFamily="34" charset="0"/>
+        <a:buChar char="■"/>
+        <a:defRPr sz="1800" kern="1200" baseline="0">
+          <a:solidFill>
+            <a:schemeClr val="tx2"/>
+          </a:solidFill>
+          <a:latin typeface="+mn-lt"/>
+          <a:ea typeface="+mn-ea"/>
+          <a:cs typeface="+mn-cs"/>
+        </a:defRPr>
+      </a:lvl3pPr>
+      <a:lvl4pPr marL="1828800" indent="-384048" algn="l" defTabSz="914400" rtl="0" eaLnBrk="1" latinLnBrk="0" hangingPunct="1">
+        <a:lnSpc>
+          <a:spcPct val="94000"/>
+        </a:lnSpc>
+        <a:spcBef>
+          <a:spcPts val="500"/>
+        </a:spcBef>
+        <a:spcAft>
+          <a:spcPts val="200"/>
+        </a:spcAft>
+        <a:buFont typeface="Franklin Gothic Book" panose="020B0503020102020204" pitchFamily="34" charset="0"/>
+        <a:buChar char="–"/>
+        <a:defRPr sz="1800" i="1" kern="1200" baseline="0">
+          <a:solidFill>
+            <a:schemeClr val="tx2"/>
+          </a:solidFill>
+          <a:latin typeface="+mn-lt"/>
+          <a:ea typeface="+mn-ea"/>
+          <a:cs typeface="+mn-cs"/>
+        </a:defRPr>
+      </a:lvl4pPr>
+      <a:lvl5pPr marL="2286000" indent="-384048" algn="l" defTabSz="914400" rtl="0" eaLnBrk="1" latinLnBrk="0" hangingPunct="1">
+        <a:lnSpc>
+          <a:spcPct val="94000"/>
+        </a:lnSpc>
+        <a:spcBef>
+          <a:spcPts val="500"/>
+        </a:spcBef>
+        <a:spcAft>
+          <a:spcPts val="200"/>
+        </a:spcAft>
+        <a:buFont typeface="Franklin Gothic Book" panose="020B0503020102020204" pitchFamily="34" charset="0"/>
+        <a:buChar char="■"/>
+        <a:defRPr sz="1600" kern="1200" baseline="0">
+          <a:solidFill>
+            <a:schemeClr val="tx2"/>
+          </a:solidFill>
+          <a:latin typeface="+mn-lt"/>
+          <a:ea typeface="+mn-ea"/>
+          <a:cs typeface="+mn-cs"/>
+        </a:defRPr>
+      </a:lvl5pPr>
+      <a:lvl6pPr marL="2743200" indent="-384048" algn="l" defTabSz="914400" rtl="0" eaLnBrk="1" latinLnBrk="0" hangingPunct="1">
+        <a:lnSpc>
+          <a:spcPct val="94000"/>
+        </a:lnSpc>
+        <a:spcBef>
+          <a:spcPts val="500"/>
+        </a:spcBef>
+        <a:spcAft>
+          <a:spcPts val="200"/>
+        </a:spcAft>
+        <a:buFont typeface="Franklin Gothic Book" panose="020B0503020102020204" pitchFamily="34" charset="0"/>
+        <a:buChar char="–"/>
+        <a:defRPr sz="1600" i="1" kern="1200" baseline="0">
+          <a:solidFill>
+            <a:schemeClr val="tx2"/>
+          </a:solidFill>
+          <a:latin typeface="+mn-lt"/>
+          <a:ea typeface="+mn-ea"/>
+          <a:cs typeface="+mn-cs"/>
+        </a:defRPr>
+      </a:lvl6pPr>
+      <a:lvl7pPr marL="3200400" indent="-384048" algn="l" defTabSz="914400" rtl="0" eaLnBrk="1" latinLnBrk="0" hangingPunct="1">
+        <a:lnSpc>
+          <a:spcPct val="94000"/>
+        </a:lnSpc>
+        <a:spcBef>
+          <a:spcPts val="500"/>
+        </a:spcBef>
+        <a:spcAft>
+          <a:spcPts val="200"/>
+        </a:spcAft>
+        <a:buFont typeface="Franklin Gothic Book" panose="020B0503020102020204" pitchFamily="34" charset="0"/>
+        <a:buChar char="■"/>
+        <a:defRPr sz="1400" kern="1200" baseline="0">
+          <a:solidFill>
+            <a:schemeClr val="tx2"/>
+          </a:solidFill>
+          <a:latin typeface="+mn-lt"/>
+          <a:ea typeface="+mn-ea"/>
+          <a:cs typeface="+mn-cs"/>
+        </a:defRPr>
+      </a:lvl7pPr>
+      <a:lvl8pPr marL="3657600" indent="-384048" algn="l" defTabSz="914400" rtl="0" eaLnBrk="1" latinLnBrk="0" hangingPunct="1">
+        <a:lnSpc>
+          <a:spcPct val="94000"/>
+        </a:lnSpc>
+        <a:spcBef>
+          <a:spcPts val="500"/>
+        </a:spcBef>
+        <a:spcAft>
+          <a:spcPts val="200"/>
+        </a:spcAft>
+        <a:buFont typeface="Franklin Gothic Book" panose="020B0503020102020204" pitchFamily="34" charset="0"/>
+        <a:buChar char="–"/>
+        <a:defRPr sz="1400" i="1" kern="1200" baseline="0">
+          <a:solidFill>
+            <a:schemeClr val="tx2"/>
+          </a:solidFill>
+          <a:latin typeface="+mn-lt"/>
+          <a:ea typeface="+mn-ea"/>
+          <a:cs typeface="+mn-cs"/>
+        </a:defRPr>
+      </a:lvl8pPr>
+      <a:lvl9pPr marL="4114800" indent="-384048" algn="l" defTabSz="914400" rtl="0" eaLnBrk="1" latinLnBrk="0" hangingPunct="1">
+        <a:lnSpc>
+          <a:spcPct val="94000"/>
+        </a:lnSpc>
+        <a:spcBef>
+          <a:spcPts val="500"/>
+        </a:spcBef>
+        <a:spcAft>
+          <a:spcPts val="200"/>
+        </a:spcAft>
+        <a:buFont typeface="Franklin Gothic Book" panose="020B0503020102020204" pitchFamily="34" charset="0"/>
+        <a:buChar char="■"/>
+        <a:defRPr sz="1400" kern="1200" baseline="0">
+          <a:solidFill>
+            <a:schemeClr val="tx2"/>
+          </a:solidFill>
+          <a:latin typeface="+mn-lt"/>
+          <a:ea typeface="+mn-ea"/>
+          <a:cs typeface="+mn-cs"/>
+        </a:defRPr>
+      </a:lvl9pPr>
+    </p:bodyStyle>
+    <p:otherStyle>
+      <a:defPPr>
+        <a:defRPr lang="en-US"/>
+      </a:defPPr>
+      <a:lvl1pPr marL="0" algn="l" defTabSz="914400" rtl="0" eaLnBrk="1" latinLnBrk="0" hangingPunct="1">
+        <a:defRPr sz="1800" kern="1200">
+          <a:solidFill>
+            <a:schemeClr val="tx1"/>
+          </a:solidFill>
+          <a:latin typeface="+mn-lt"/>
+          <a:ea typeface="+mn-ea"/>
+          <a:cs typeface="+mn-cs"/>
+        </a:defRPr>
+      </a:lvl1pPr>
+      <a:lvl2pPr marL="457200" algn="l" defTabSz="914400" rtl="0" eaLnBrk="1" latinLnBrk="0" hangingPunct="1">
+        <a:defRPr sz="1800" kern="1200">
+          <a:solidFill>
+            <a:schemeClr val="tx1"/>
+          </a:solidFill>
+          <a:latin typeface="+mn-lt"/>
+          <a:ea typeface="+mn-ea"/>
+          <a:cs typeface="+mn-cs"/>
+        </a:defRPr>
+      </a:lvl2pPr>
+      <a:lvl3pPr marL="914400" algn="l" defTabSz="914400" rtl="0" eaLnBrk="1" latinLnBrk="0" hangingPunct="1">
+        <a:defRPr sz="1800" kern="1200">
+          <a:solidFill>
+            <a:schemeClr val="tx1"/>
+          </a:solidFill>
+          <a:latin typeface="+mn-lt"/>
+          <a:ea typeface="+mn-ea"/>
+          <a:cs typeface="+mn-cs"/>
+        </a:defRPr>
+      </a:lvl3pPr>
+      <a:lvl4pPr marL="1371600" algn="l" defTabSz="914400" rtl="0" eaLnBrk="1" latinLnBrk="0" hangingPunct="1">
+        <a:defRPr sz="1800" kern="1200">
+          <a:solidFill>
+            <a:schemeClr val="tx1"/>
+          </a:solidFill>
+          <a:latin typeface="+mn-lt"/>
+          <a:ea typeface="+mn-ea"/>
+          <a:cs typeface="+mn-cs"/>
+        </a:defRPr>
+      </a:lvl4pPr>
+      <a:lvl5pPr marL="1828800" algn="l" defTabSz="914400" rtl="0" eaLnBrk="1" latinLnBrk="0" hangingPunct="1">
+        <a:defRPr sz="1800" kern="1200">
+          <a:solidFill>
+            <a:schemeClr val="tx1"/>
+          </a:solidFill>
+          <a:latin typeface="+mn-lt"/>
+          <a:ea typeface="+mn-ea"/>
+          <a:cs typeface="+mn-cs"/>
+        </a:defRPr>
+      </a:lvl5pPr>
+      <a:lvl6pPr marL="2286000" algn="l" defTabSz="914400" rtl="0" eaLnBrk="1" latinLnBrk="0" hangingPunct="1">
+        <a:defRPr sz="1800" kern="1200">
+          <a:solidFill>
+            <a:schemeClr val="tx1"/>
+          </a:solidFill>
+          <a:latin typeface="+mn-lt"/>
+          <a:ea typeface="+mn-ea"/>
+          <a:cs typeface="+mn-cs"/>
+        </a:defRPr>
+      </a:lvl6pPr>
+      <a:lvl7pPr marL="2743200" algn="l" defTabSz="914400" rtl="0" eaLnBrk="1" latinLnBrk="0" hangingPunct="1">
+        <a:defRPr sz="1800" kern="1200">
+          <a:solidFill>
+            <a:schemeClr val="tx1"/>
+          </a:solidFill>
+          <a:latin typeface="+mn-lt"/>
+          <a:ea typeface="+mn-ea"/>
+          <a:cs typeface="+mn-cs"/>
+        </a:defRPr>
+      </a:lvl7pPr>
+      <a:lvl8pPr marL="3200400" algn="l" defTabSz="914400" rtl="0" eaLnBrk="1" latinLnBrk="0" hangingPunct="1">
+        <a:defRPr sz="1800" kern="1200">
+          <a:solidFill>
+            <a:schemeClr val="tx1"/>
+          </a:solidFill>
+          <a:latin typeface="+mn-lt"/>
+          <a:ea typeface="+mn-ea"/>
+          <a:cs typeface="+mn-cs"/>
+        </a:defRPr>
+      </a:lvl8pPr>
+      <a:lvl9pPr marL="3657600" algn="l" defTabSz="914400" rtl="0" eaLnBrk="1" latinLnBrk="0" hangingPunct="1">
+        <a:defRPr sz="1800" kern="1200">
+          <a:solidFill>
+            <a:schemeClr val="tx1"/>
+          </a:solidFill>
+          <a:latin typeface="+mn-lt"/>
+          <a:ea typeface="+mn-ea"/>
+          <a:cs typeface="+mn-cs"/>
+        </a:defRPr>
+      </a:lvl9pPr>
+    </p:otherStyle>
+  </p:txStyles>
+  <p:extLst>
+    <p:ext uri="{27BBF7A9-308A-43DC-89C8-2F10F3537804}">
+      <p15:sldGuideLst xmlns:p15="http://schemas.microsoft.com/office/powerpoint/2012/main">
+        <p15:guide id="3" orient="horz" pos="1368">
+          <p15:clr>
+            <a:srgbClr val="F26B43"/>
+          </p15:clr>
+        </p15:guide>
+        <p15:guide id="4" orient="horz" pos="1440">
+          <p15:clr>
+            <a:srgbClr val="F26B43"/>
+          </p15:clr>
+        </p15:guide>
+        <p15:guide id="6" orient="horz" pos="3696">
+          <p15:clr>
+            <a:srgbClr val="F26B43"/>
+          </p15:clr>
+        </p15:guide>
+        <p15:guide id="7" orient="horz" pos="432">
+          <p15:clr>
+            <a:srgbClr val="F26B43"/>
+          </p15:clr>
+        </p15:guide>
+        <p15:guide id="8" orient="horz" pos="1512">
+          <p15:clr>
+            <a:srgbClr val="F26B43"/>
+          </p15:clr>
+        </p15:guide>
+        <p15:guide id="9" pos="6912">
+          <p15:clr>
+            <a:srgbClr val="F26B43"/>
+          </p15:clr>
+        </p15:guide>
+        <p15:guide id="10" pos="936">
+          <p15:clr>
+            <a:srgbClr val="F26B43"/>
+          </p15:clr>
+        </p15:guide>
+        <p15:guide id="11" pos="864">
+          <p15:clr>
+            <a:srgbClr val="F26B43"/>
+          </p15:clr>
+        </p15:guide>
+      </p15:sldGuideLst>
+    </p:ext>
+  </p:extLst>
+</p:sldMaster>
+</file>
+
 <file path=ppt/slides/slide1.xml><?xml version="1.0" encoding="utf-8"?>
 <p:sld xmlns:a="http://schemas.openxmlformats.org/drawingml/2006/main" xmlns:r="http://schemas.openxmlformats.org/officeDocument/2006/relationships" xmlns:p="http://schemas.openxmlformats.org/presentationml/2006/main">
   <p:cSld>
@@ -6592,7 +10682,7 @@
         <p:spPr/>
         <p:txBody>
           <a:bodyPr>
-            <a:normAutofit lnSpcReduction="10000"/>
+            <a:normAutofit fontScale="92500" lnSpcReduction="10000"/>
           </a:bodyPr>
           <a:lstStyle/>
           <a:p>
@@ -6758,10 +10848,10 @@
       </p:sp>
       <p:sp>
         <p:nvSpPr>
-          <p:cNvPr id="4" name="Textplatzhalter 3">
+          <p:cNvPr id="5" name="Textplatzhalter 4">
             <a:extLst>
               <a:ext uri="{FF2B5EF4-FFF2-40B4-BE49-F238E27FC236}">
-                <a16:creationId xmlns:a16="http://schemas.microsoft.com/office/drawing/2014/main" id="{8C145531-129B-EF84-50E9-77AF715C8B88}"/>
+                <a16:creationId xmlns:a16="http://schemas.microsoft.com/office/drawing/2014/main" id="{44238908-FC68-A037-6D7D-819368FD8433}"/>
               </a:ext>
             </a:extLst>
           </p:cNvPr>
@@ -6989,7 +11079,7 @@
         <p:spPr/>
         <p:txBody>
           <a:bodyPr>
-            <a:normAutofit fontScale="92500" lnSpcReduction="10000"/>
+            <a:normAutofit fontScale="85000" lnSpcReduction="20000"/>
           </a:bodyPr>
           <a:lstStyle/>
           <a:p>
@@ -7444,7 +11534,7 @@
         <p:spPr/>
         <p:txBody>
           <a:bodyPr>
-            <a:normAutofit/>
+            <a:normAutofit fontScale="92500" lnSpcReduction="20000"/>
           </a:bodyPr>
           <a:lstStyle/>
           <a:p>
@@ -7959,6 +12049,264 @@
 </file>
 
 <file path=ppt/theme/theme2.xml><?xml version="1.0" encoding="utf-8"?>
+<a:theme xmlns:a="http://schemas.openxmlformats.org/drawingml/2006/main" name="Ausschnitt">
+  <a:themeElements>
+    <a:clrScheme name="Gelborange">
+      <a:dk1>
+        <a:sysClr val="windowText" lastClr="000000"/>
+      </a:dk1>
+      <a:lt1>
+        <a:sysClr val="window" lastClr="FFFFFF"/>
+      </a:lt1>
+      <a:dk2>
+        <a:srgbClr val="4E3B30"/>
+      </a:dk2>
+      <a:lt2>
+        <a:srgbClr val="FBEEC9"/>
+      </a:lt2>
+      <a:accent1>
+        <a:srgbClr val="F0A22E"/>
+      </a:accent1>
+      <a:accent2>
+        <a:srgbClr val="A5644E"/>
+      </a:accent2>
+      <a:accent3>
+        <a:srgbClr val="B58B80"/>
+      </a:accent3>
+      <a:accent4>
+        <a:srgbClr val="C3986D"/>
+      </a:accent4>
+      <a:accent5>
+        <a:srgbClr val="A19574"/>
+      </a:accent5>
+      <a:accent6>
+        <a:srgbClr val="C17529"/>
+      </a:accent6>
+      <a:hlink>
+        <a:srgbClr val="AD1F1F"/>
+      </a:hlink>
+      <a:folHlink>
+        <a:srgbClr val="FFC42F"/>
+      </a:folHlink>
+    </a:clrScheme>
+    <a:fontScheme name="Ausschnitt">
+      <a:majorFont>
+        <a:latin typeface="Franklin Gothic Book" panose="020B0503020102020204"/>
+        <a:ea typeface=""/>
+        <a:cs typeface=""/>
+        <a:font script="Jpan" typeface="メイリオ"/>
+        <a:font script="Hang" typeface="돋움"/>
+        <a:font script="Hans" typeface="华文楷体"/>
+        <a:font script="Hant" typeface="微軟正黑體"/>
+        <a:font script="Arab" typeface="Tahoma"/>
+        <a:font script="Hebr" typeface="Aharoni"/>
+        <a:font script="Thai" typeface="LilyUPC"/>
+        <a:font script="Ethi" typeface="Nyala"/>
+        <a:font script="Beng" typeface="Vrinda"/>
+        <a:font script="Gujr" typeface="Shruti"/>
+        <a:font script="Khmr" typeface="DaunPenh"/>
+        <a:font script="Knda" typeface="Tunga"/>
+        <a:font script="Guru" typeface="Raavi"/>
+        <a:font script="Cans" typeface="Euphemia"/>
+        <a:font script="Cher" typeface="Plantagenet Cherokee"/>
+        <a:font script="Yiii" typeface="Microsoft Yi Baiti"/>
+        <a:font script="Tibt" typeface="Microsoft Himalaya"/>
+        <a:font script="Thaa" typeface="MV Boli"/>
+        <a:font script="Deva" typeface="Mangal"/>
+        <a:font script="Telu" typeface="Gautami"/>
+        <a:font script="Taml" typeface="Latha"/>
+        <a:font script="Syrc" typeface="Estrangelo Edessa"/>
+        <a:font script="Orya" typeface="Kalinga"/>
+        <a:font script="Mlym" typeface="Kartika"/>
+        <a:font script="Laoo" typeface="DokChampa"/>
+        <a:font script="Sinh" typeface="Iskoola Pota"/>
+        <a:font script="Mong" typeface="Mongolian Baiti"/>
+        <a:font script="Viet" typeface="Tahoma"/>
+        <a:font script="Uigh" typeface="Microsoft Uighur"/>
+        <a:font script="Geor" typeface="Sylfaen"/>
+      </a:majorFont>
+      <a:minorFont>
+        <a:latin typeface="Franklin Gothic Book" panose="020B0503020102020204"/>
+        <a:ea typeface=""/>
+        <a:cs typeface=""/>
+        <a:font script="Jpan" typeface="メイリオ"/>
+        <a:font script="Hang" typeface="돋움"/>
+        <a:font script="Hans" typeface="华文楷体"/>
+        <a:font script="Hant" typeface="微軟正黑體"/>
+        <a:font script="Arab" typeface="Tahoma"/>
+        <a:font script="Hebr" typeface="Aharoni"/>
+        <a:font script="Thai" typeface="LilyUPC"/>
+        <a:font script="Ethi" typeface="Nyala"/>
+        <a:font script="Beng" typeface="Vrinda"/>
+        <a:font script="Gujr" typeface="Shruti"/>
+        <a:font script="Khmr" typeface="DaunPenh"/>
+        <a:font script="Knda" typeface="Tunga"/>
+        <a:font script="Guru" typeface="Raavi"/>
+        <a:font script="Cans" typeface="Euphemia"/>
+        <a:font script="Cher" typeface="Plantagenet Cherokee"/>
+        <a:font script="Yiii" typeface="Microsoft Yi Baiti"/>
+        <a:font script="Tibt" typeface="Microsoft Himalaya"/>
+        <a:font script="Thaa" typeface="MV Boli"/>
+        <a:font script="Deva" typeface="Mangal"/>
+        <a:font script="Telu" typeface="Gautami"/>
+        <a:font script="Taml" typeface="Latha"/>
+        <a:font script="Syrc" typeface="Estrangelo Edessa"/>
+        <a:font script="Orya" typeface="Kalinga"/>
+        <a:font script="Mlym" typeface="Kartika"/>
+        <a:font script="Laoo" typeface="DokChampa"/>
+        <a:font script="Sinh" typeface="Iskoola Pota"/>
+        <a:font script="Mong" typeface="Mongolian Baiti"/>
+        <a:font script="Viet" typeface="Tahoma"/>
+        <a:font script="Uigh" typeface="Microsoft Uighur"/>
+        <a:font script="Geor" typeface="Sylfaen"/>
+      </a:minorFont>
+    </a:fontScheme>
+    <a:fmtScheme name="Ausschnitt">
+      <a:fillStyleLst>
+        <a:solidFill>
+          <a:schemeClr val="phClr"/>
+        </a:solidFill>
+        <a:gradFill rotWithShape="1">
+          <a:gsLst>
+            <a:gs pos="0">
+              <a:schemeClr val="phClr">
+                <a:tint val="67000"/>
+                <a:satMod val="105000"/>
+                <a:lumMod val="110000"/>
+              </a:schemeClr>
+            </a:gs>
+            <a:gs pos="50000">
+              <a:schemeClr val="phClr">
+                <a:tint val="73000"/>
+                <a:satMod val="103000"/>
+                <a:lumMod val="105000"/>
+              </a:schemeClr>
+            </a:gs>
+            <a:gs pos="100000">
+              <a:schemeClr val="phClr">
+                <a:tint val="81000"/>
+                <a:satMod val="109000"/>
+                <a:lumMod val="105000"/>
+              </a:schemeClr>
+            </a:gs>
+          </a:gsLst>
+          <a:lin ang="5400000" scaled="0"/>
+        </a:gradFill>
+        <a:gradFill rotWithShape="1">
+          <a:gsLst>
+            <a:gs pos="0">
+              <a:schemeClr val="phClr">
+                <a:tint val="94000"/>
+                <a:satMod val="103000"/>
+                <a:lumMod val="102000"/>
+              </a:schemeClr>
+            </a:gs>
+            <a:gs pos="50000">
+              <a:schemeClr val="phClr">
+                <a:shade val="100000"/>
+                <a:satMod val="110000"/>
+                <a:lumMod val="100000"/>
+              </a:schemeClr>
+            </a:gs>
+            <a:gs pos="100000">
+              <a:schemeClr val="phClr">
+                <a:shade val="78000"/>
+                <a:satMod val="120000"/>
+                <a:lumMod val="99000"/>
+              </a:schemeClr>
+            </a:gs>
+          </a:gsLst>
+          <a:lin ang="5400000" scaled="0"/>
+        </a:gradFill>
+      </a:fillStyleLst>
+      <a:lnStyleLst>
+        <a:ln w="6350" cap="flat" cmpd="sng" algn="in">
+          <a:solidFill>
+            <a:schemeClr val="phClr"/>
+          </a:solidFill>
+          <a:prstDash val="solid"/>
+        </a:ln>
+        <a:ln w="34925" cap="flat" cmpd="sng" algn="in">
+          <a:solidFill>
+            <a:schemeClr val="phClr"/>
+          </a:solidFill>
+          <a:prstDash val="solid"/>
+        </a:ln>
+        <a:ln w="19050" cap="flat" cmpd="sng" algn="in">
+          <a:solidFill>
+            <a:schemeClr val="phClr"/>
+          </a:solidFill>
+          <a:prstDash val="solid"/>
+        </a:ln>
+      </a:lnStyleLst>
+      <a:effectStyleLst>
+        <a:effectStyle>
+          <a:effectLst/>
+        </a:effectStyle>
+        <a:effectStyle>
+          <a:effectLst/>
+        </a:effectStyle>
+        <a:effectStyle>
+          <a:effectLst>
+            <a:outerShdw blurRad="57150" dist="19050" dir="5400000" algn="ctr" rotWithShape="0">
+              <a:srgbClr val="000000">
+                <a:alpha val="35000"/>
+              </a:srgbClr>
+            </a:outerShdw>
+          </a:effectLst>
+        </a:effectStyle>
+      </a:effectStyleLst>
+      <a:bgFillStyleLst>
+        <a:solidFill>
+          <a:schemeClr val="phClr"/>
+        </a:solidFill>
+        <a:solidFill>
+          <a:schemeClr val="phClr">
+            <a:tint val="95000"/>
+            <a:satMod val="170000"/>
+          </a:schemeClr>
+        </a:solidFill>
+        <a:gradFill rotWithShape="1">
+          <a:gsLst>
+            <a:gs pos="0">
+              <a:schemeClr val="phClr">
+                <a:tint val="93000"/>
+                <a:shade val="98000"/>
+                <a:satMod val="150000"/>
+                <a:lumMod val="102000"/>
+              </a:schemeClr>
+            </a:gs>
+            <a:gs pos="50000">
+              <a:schemeClr val="phClr">
+                <a:tint val="98000"/>
+                <a:shade val="90000"/>
+                <a:satMod val="130000"/>
+                <a:lumMod val="103000"/>
+              </a:schemeClr>
+            </a:gs>
+            <a:gs pos="100000">
+              <a:schemeClr val="phClr">
+                <a:shade val="63000"/>
+                <a:satMod val="120000"/>
+              </a:schemeClr>
+            </a:gs>
+          </a:gsLst>
+          <a:lin ang="5400000" scaled="0"/>
+        </a:gradFill>
+      </a:bgFillStyleLst>
+    </a:fmtScheme>
+  </a:themeElements>
+  <a:objectDefaults/>
+  <a:extraClrSchemeLst/>
+  <a:extLst>
+    <a:ext uri="{05A4C25C-085E-4340-85A3-A5531E510DB2}">
+      <thm15:themeFamily xmlns:thm15="http://schemas.microsoft.com/office/thememl/2012/main" name="Crop" id="{EC9488ED-E761-4D60-9AC4-764D1FE2C171}" vid="{D7AA1D6E-F3E9-4763-A3BC-84DF2E02F60F}"/>
+    </a:ext>
+  </a:extLst>
+</a:theme>
+</file>
+
+<file path=ppt/theme/theme3.xml><?xml version="1.0" encoding="utf-8"?>
 <a:theme xmlns:a="http://schemas.openxmlformats.org/drawingml/2006/main" name="Office">
   <a:themeElements>
     <a:clrScheme name="Office">

--- a/internal/slides/Python-Workshop.pptx
+++ b/internal/slides/Python-Workshop.pptx
@@ -205,7 +205,7 @@
           <a:p>
             <a:fld id="{499A1EE7-0C14-4217-B24D-A63A9E8E2E1B}" type="datetimeFigureOut">
               <a:rPr lang="de-AT" smtClean="0"/>
-              <a:t>28.04.2023</a:t>
+              <a:t>29.04.2023</a:t>
             </a:fld>
             <a:endParaRPr lang="de-AT"/>
           </a:p>
@@ -1566,7 +1566,7 @@
           <a:p>
             <a:fld id="{6337795A-66C8-4B04-9297-31AE65D1A334}" type="datetimeFigureOut">
               <a:rPr lang="en-AU" smtClean="0"/>
-              <a:t>28/04/2023</a:t>
+              <a:t>29/04/2023</a:t>
             </a:fld>
             <a:endParaRPr lang="en-AU"/>
           </a:p>
@@ -1816,7 +1816,7 @@
           <a:p>
             <a:fld id="{6337795A-66C8-4B04-9297-31AE65D1A334}" type="datetimeFigureOut">
               <a:rPr lang="en-AU" smtClean="0"/>
-              <a:t>28/04/2023</a:t>
+              <a:t>29/04/2023</a:t>
             </a:fld>
             <a:endParaRPr lang="en-AU"/>
           </a:p>
@@ -2129,7 +2129,7 @@
           <a:p>
             <a:fld id="{6337795A-66C8-4B04-9297-31AE65D1A334}" type="datetimeFigureOut">
               <a:rPr lang="en-AU" smtClean="0"/>
-              <a:t>28/04/2023</a:t>
+              <a:t>29/04/2023</a:t>
             </a:fld>
             <a:endParaRPr lang="en-AU"/>
           </a:p>
@@ -2455,7 +2455,7 @@
           <a:p>
             <a:fld id="{6337795A-66C8-4B04-9297-31AE65D1A334}" type="datetimeFigureOut">
               <a:rPr lang="en-AU" smtClean="0"/>
-              <a:t>28/04/2023</a:t>
+              <a:t>29/04/2023</a:t>
             </a:fld>
             <a:endParaRPr lang="en-AU"/>
           </a:p>
@@ -2768,7 +2768,7 @@
           <a:p>
             <a:fld id="{6337795A-66C8-4B04-9297-31AE65D1A334}" type="datetimeFigureOut">
               <a:rPr lang="en-AU" smtClean="0"/>
-              <a:t>28/04/2023</a:t>
+              <a:t>29/04/2023</a:t>
             </a:fld>
             <a:endParaRPr lang="en-AU"/>
           </a:p>
@@ -3154,7 +3154,7 @@
           <a:p>
             <a:fld id="{6337795A-66C8-4B04-9297-31AE65D1A334}" type="datetimeFigureOut">
               <a:rPr lang="en-AU" smtClean="0"/>
-              <a:t>28/04/2023</a:t>
+              <a:t>29/04/2023</a:t>
             </a:fld>
             <a:endParaRPr lang="en-AU"/>
           </a:p>
@@ -3322,7 +3322,7 @@
           <a:p>
             <a:fld id="{6337795A-66C8-4B04-9297-31AE65D1A334}" type="datetimeFigureOut">
               <a:rPr lang="en-AU" smtClean="0"/>
-              <a:t>28/04/2023</a:t>
+              <a:t>29/04/2023</a:t>
             </a:fld>
             <a:endParaRPr lang="en-AU"/>
           </a:p>
@@ -3500,7 +3500,7 @@
           <a:p>
             <a:fld id="{6337795A-66C8-4B04-9297-31AE65D1A334}" type="datetimeFigureOut">
               <a:rPr lang="en-AU" smtClean="0"/>
-              <a:t>28/04/2023</a:t>
+              <a:t>29/04/2023</a:t>
             </a:fld>
             <a:endParaRPr lang="en-AU"/>
           </a:p>
@@ -3734,7 +3734,7 @@
           <a:p>
             <a:fld id="{6337795A-66C8-4B04-9297-31AE65D1A334}" type="datetimeFigureOut">
               <a:rPr lang="en-AU" smtClean="0"/>
-              <a:t>28/04/2023</a:t>
+              <a:t>29/04/2023</a:t>
             </a:fld>
             <a:endParaRPr lang="en-AU"/>
           </a:p>
@@ -4059,7 +4059,7 @@
           <a:p>
             <a:fld id="{6337795A-66C8-4B04-9297-31AE65D1A334}" type="datetimeFigureOut">
               <a:rPr lang="en-AU" smtClean="0"/>
-              <a:t>28/04/2023</a:t>
+              <a:t>29/04/2023</a:t>
             </a:fld>
             <a:endParaRPr lang="en-AU"/>
           </a:p>
@@ -4336,7 +4336,7 @@
           <a:p>
             <a:fld id="{6337795A-66C8-4B04-9297-31AE65D1A334}" type="datetimeFigureOut">
               <a:rPr lang="en-AU" smtClean="0"/>
-              <a:t>28/04/2023</a:t>
+              <a:t>29/04/2023</a:t>
             </a:fld>
             <a:endParaRPr lang="en-AU"/>
           </a:p>
@@ -4592,7 +4592,7 @@
           <a:p>
             <a:fld id="{6337795A-66C8-4B04-9297-31AE65D1A334}" type="datetimeFigureOut">
               <a:rPr lang="en-AU" smtClean="0"/>
-              <a:t>28/04/2023</a:t>
+              <a:t>29/04/2023</a:t>
             </a:fld>
             <a:endParaRPr lang="en-AU"/>
           </a:p>
@@ -4869,7 +4869,7 @@
           <a:p>
             <a:fld id="{6337795A-66C8-4B04-9297-31AE65D1A334}" type="datetimeFigureOut">
               <a:rPr lang="en-AU" smtClean="0"/>
-              <a:t>28/04/2023</a:t>
+              <a:t>29/04/2023</a:t>
             </a:fld>
             <a:endParaRPr lang="en-AU"/>
           </a:p>
@@ -5271,7 +5271,7 @@
           <a:p>
             <a:fld id="{6337795A-66C8-4B04-9297-31AE65D1A334}" type="datetimeFigureOut">
               <a:rPr lang="en-AU" smtClean="0"/>
-              <a:t>28/04/2023</a:t>
+              <a:t>29/04/2023</a:t>
             </a:fld>
             <a:endParaRPr lang="en-AU"/>
           </a:p>
@@ -5748,7 +5748,7 @@
           <a:p>
             <a:fld id="{6337795A-66C8-4B04-9297-31AE65D1A334}" type="datetimeFigureOut">
               <a:rPr lang="en-AU" smtClean="0"/>
-              <a:t>28/04/2023</a:t>
+              <a:t>29/04/2023</a:t>
             </a:fld>
             <a:endParaRPr lang="en-AU"/>
           </a:p>
@@ -5866,7 +5866,7 @@
           <a:p>
             <a:fld id="{6337795A-66C8-4B04-9297-31AE65D1A334}" type="datetimeFigureOut">
               <a:rPr lang="en-AU" smtClean="0"/>
-              <a:t>28/04/2023</a:t>
+              <a:t>29/04/2023</a:t>
             </a:fld>
             <a:endParaRPr lang="en-AU"/>
           </a:p>
@@ -5961,7 +5961,7 @@
           <a:p>
             <a:fld id="{6337795A-66C8-4B04-9297-31AE65D1A334}" type="datetimeFigureOut">
               <a:rPr lang="en-AU" smtClean="0"/>
-              <a:t>28/04/2023</a:t>
+              <a:t>29/04/2023</a:t>
             </a:fld>
             <a:endParaRPr lang="en-AU"/>
           </a:p>
@@ -6307,7 +6307,7 @@
           <a:p>
             <a:fld id="{6337795A-66C8-4B04-9297-31AE65D1A334}" type="datetimeFigureOut">
               <a:rPr lang="en-AU" smtClean="0"/>
-              <a:t>28/04/2023</a:t>
+              <a:t>29/04/2023</a:t>
             </a:fld>
             <a:endParaRPr lang="en-AU"/>
           </a:p>
@@ -6695,7 +6695,7 @@
           <a:p>
             <a:fld id="{6337795A-66C8-4B04-9297-31AE65D1A334}" type="datetimeFigureOut">
               <a:rPr lang="en-AU" smtClean="0"/>
-              <a:t>28/04/2023</a:t>
+              <a:t>29/04/2023</a:t>
             </a:fld>
             <a:endParaRPr lang="en-AU"/>
           </a:p>
@@ -6934,7 +6934,7 @@
           <a:p>
             <a:fld id="{6337795A-66C8-4B04-9297-31AE65D1A334}" type="datetimeFigureOut">
               <a:rPr lang="en-AU" smtClean="0"/>
-              <a:t>28/04/2023</a:t>
+              <a:t>29/04/2023</a:t>
             </a:fld>
             <a:endParaRPr lang="en-AU"/>
           </a:p>
@@ -7114,7 +7114,7 @@
           <a:p>
             <a:fld id="{6337795A-66C8-4B04-9297-31AE65D1A334}" type="datetimeFigureOut">
               <a:rPr lang="en-AU" smtClean="0"/>
-              <a:t>28/04/2023</a:t>
+              <a:t>29/04/2023</a:t>
             </a:fld>
             <a:endParaRPr lang="en-AU"/>
           </a:p>
@@ -7360,7 +7360,7 @@
           <a:p>
             <a:fld id="{6337795A-66C8-4B04-9297-31AE65D1A334}" type="datetimeFigureOut">
               <a:rPr lang="en-AU" smtClean="0"/>
-              <a:t>28/04/2023</a:t>
+              <a:t>29/04/2023</a:t>
             </a:fld>
             <a:endParaRPr lang="en-AU"/>
           </a:p>
@@ -7589,7 +7589,7 @@
           <a:p>
             <a:fld id="{6337795A-66C8-4B04-9297-31AE65D1A334}" type="datetimeFigureOut">
               <a:rPr lang="en-AU" smtClean="0"/>
-              <a:t>28/04/2023</a:t>
+              <a:t>29/04/2023</a:t>
             </a:fld>
             <a:endParaRPr lang="en-AU"/>
           </a:p>
@@ -7960,7 +7960,7 @@
           <a:p>
             <a:fld id="{6337795A-66C8-4B04-9297-31AE65D1A334}" type="datetimeFigureOut">
               <a:rPr lang="en-AU" smtClean="0"/>
-              <a:t>28/04/2023</a:t>
+              <a:t>29/04/2023</a:t>
             </a:fld>
             <a:endParaRPr lang="en-AU"/>
           </a:p>
@@ -8082,7 +8082,7 @@
           <a:p>
             <a:fld id="{6337795A-66C8-4B04-9297-31AE65D1A334}" type="datetimeFigureOut">
               <a:rPr lang="en-AU" smtClean="0"/>
-              <a:t>28/04/2023</a:t>
+              <a:t>29/04/2023</a:t>
             </a:fld>
             <a:endParaRPr lang="en-AU"/>
           </a:p>
@@ -8177,7 +8177,7 @@
           <a:p>
             <a:fld id="{6337795A-66C8-4B04-9297-31AE65D1A334}" type="datetimeFigureOut">
               <a:rPr lang="en-AU" smtClean="0"/>
-              <a:t>28/04/2023</a:t>
+              <a:t>29/04/2023</a:t>
             </a:fld>
             <a:endParaRPr lang="en-AU"/>
           </a:p>
@@ -8430,7 +8430,7 @@
           <a:p>
             <a:fld id="{6337795A-66C8-4B04-9297-31AE65D1A334}" type="datetimeFigureOut">
               <a:rPr lang="en-AU" smtClean="0"/>
-              <a:t>28/04/2023</a:t>
+              <a:t>29/04/2023</a:t>
             </a:fld>
             <a:endParaRPr lang="en-AU"/>
           </a:p>
@@ -8691,7 +8691,7 @@
           <a:p>
             <a:fld id="{6337795A-66C8-4B04-9297-31AE65D1A334}" type="datetimeFigureOut">
               <a:rPr lang="en-AU" smtClean="0"/>
-              <a:t>28/04/2023</a:t>
+              <a:t>29/04/2023</a:t>
             </a:fld>
             <a:endParaRPr lang="en-AU"/>
           </a:p>
@@ -9434,7 +9434,7 @@
           <a:p>
             <a:fld id="{6337795A-66C8-4B04-9297-31AE65D1A334}" type="datetimeFigureOut">
               <a:rPr lang="en-AU" smtClean="0"/>
-              <a:t>28/04/2023</a:t>
+              <a:t>29/04/2023</a:t>
             </a:fld>
             <a:endParaRPr lang="en-AU"/>
           </a:p>
@@ -10094,7 +10094,7 @@
           <a:p>
             <a:fld id="{6337795A-66C8-4B04-9297-31AE65D1A334}" type="datetimeFigureOut">
               <a:rPr lang="en-AU" smtClean="0"/>
-              <a:t>28/04/2023</a:t>
+              <a:t>29/04/2023</a:t>
             </a:fld>
             <a:endParaRPr lang="en-AU"/>
           </a:p>
